--- a/files/capital-structure-and-informational-debt.pptx
+++ b/files/capital-structure-and-informational-debt.pptx
@@ -8,21 +8,20 @@
     <p:sldId id="256" r:id="rId2"/>
     <p:sldId id="260" r:id="rId3"/>
     <p:sldId id="269" r:id="rId4"/>
-    <p:sldId id="261" r:id="rId5"/>
-    <p:sldId id="289" r:id="rId6"/>
-    <p:sldId id="278" r:id="rId7"/>
-    <p:sldId id="279" r:id="rId8"/>
-    <p:sldId id="280" r:id="rId9"/>
-    <p:sldId id="281" r:id="rId10"/>
-    <p:sldId id="276" r:id="rId11"/>
-    <p:sldId id="282" r:id="rId12"/>
-    <p:sldId id="283" r:id="rId13"/>
-    <p:sldId id="284" r:id="rId14"/>
-    <p:sldId id="277" r:id="rId15"/>
-    <p:sldId id="285" r:id="rId16"/>
-    <p:sldId id="287" r:id="rId17"/>
-    <p:sldId id="288" r:id="rId18"/>
-    <p:sldId id="268" r:id="rId19"/>
+    <p:sldId id="289" r:id="rId5"/>
+    <p:sldId id="278" r:id="rId6"/>
+    <p:sldId id="279" r:id="rId7"/>
+    <p:sldId id="280" r:id="rId8"/>
+    <p:sldId id="281" r:id="rId9"/>
+    <p:sldId id="276" r:id="rId10"/>
+    <p:sldId id="282" r:id="rId11"/>
+    <p:sldId id="283" r:id="rId12"/>
+    <p:sldId id="284" r:id="rId13"/>
+    <p:sldId id="277" r:id="rId14"/>
+    <p:sldId id="285" r:id="rId15"/>
+    <p:sldId id="287" r:id="rId16"/>
+    <p:sldId id="288" r:id="rId17"/>
+    <p:sldId id="268" r:id="rId18"/>
   </p:sldIdLst>
   <p:sldSz cx="12192000" cy="6858000"/>
   <p:notesSz cx="6858000" cy="9144000"/>
@@ -6532,1739 +6531,6 @@
             </p:nvSpPr>
             <p:spPr>
               <a:xfrm>
-                <a:off x="1371600" y="2209124"/>
-                <a:ext cx="9656064" cy="4383699"/>
-              </a:xfrm>
-              <a:prstGeom prst="rect">
-                <a:avLst/>
-              </a:prstGeom>
-            </p:spPr>
-            <p:txBody>
-              <a:bodyPr vert="horz" lIns="0" tIns="45720" rIns="91440" bIns="45720" numCol="1" spcCol="365760" rtlCol="0">
-                <a:noAutofit/>
-              </a:bodyPr>
-              <a:lstStyle>
-                <a:lvl1pPr marL="0" indent="0" algn="ctr" defTabSz="914400" rtl="0" eaLnBrk="1" latinLnBrk="0" hangingPunct="1">
-                  <a:lnSpc>
-                    <a:spcPct val="90000"/>
-                  </a:lnSpc>
-                  <a:spcBef>
-                    <a:spcPts val="1000"/>
-                  </a:spcBef>
-                  <a:buFont typeface="Arial" panose="020B0604020202020204" pitchFamily="34" charset="0"/>
-                  <a:buNone/>
-                  <a:defRPr sz="2400" kern="1200">
-                    <a:solidFill>
-                      <a:schemeClr val="tx1"/>
-                    </a:solidFill>
-                    <a:latin typeface="+mn-lt"/>
-                    <a:ea typeface="+mn-ea"/>
-                    <a:cs typeface="+mn-cs"/>
-                  </a:defRPr>
-                </a:lvl1pPr>
-                <a:lvl2pPr marL="457200" indent="0" algn="ctr" defTabSz="914400" rtl="0" eaLnBrk="1" latinLnBrk="0" hangingPunct="1">
-                  <a:lnSpc>
-                    <a:spcPct val="90000"/>
-                  </a:lnSpc>
-                  <a:spcBef>
-                    <a:spcPts val="500"/>
-                  </a:spcBef>
-                  <a:buFont typeface="Arial" panose="020B0604020202020204" pitchFamily="34" charset="0"/>
-                  <a:buNone/>
-                  <a:defRPr sz="2000" kern="1200">
-                    <a:solidFill>
-                      <a:schemeClr val="tx1"/>
-                    </a:solidFill>
-                    <a:latin typeface="+mn-lt"/>
-                    <a:ea typeface="+mn-ea"/>
-                    <a:cs typeface="+mn-cs"/>
-                  </a:defRPr>
-                </a:lvl2pPr>
-                <a:lvl3pPr marL="914400" indent="0" algn="ctr" defTabSz="914400" rtl="0" eaLnBrk="1" latinLnBrk="0" hangingPunct="1">
-                  <a:lnSpc>
-                    <a:spcPct val="90000"/>
-                  </a:lnSpc>
-                  <a:spcBef>
-                    <a:spcPts val="500"/>
-                  </a:spcBef>
-                  <a:buFont typeface="Arial" panose="020B0604020202020204" pitchFamily="34" charset="0"/>
-                  <a:buNone/>
-                  <a:defRPr sz="1800" kern="1200">
-                    <a:solidFill>
-                      <a:schemeClr val="tx1"/>
-                    </a:solidFill>
-                    <a:latin typeface="+mn-lt"/>
-                    <a:ea typeface="+mn-ea"/>
-                    <a:cs typeface="+mn-cs"/>
-                  </a:defRPr>
-                </a:lvl3pPr>
-                <a:lvl4pPr marL="1371600" indent="0" algn="ctr" defTabSz="914400" rtl="0" eaLnBrk="1" latinLnBrk="0" hangingPunct="1">
-                  <a:lnSpc>
-                    <a:spcPct val="90000"/>
-                  </a:lnSpc>
-                  <a:spcBef>
-                    <a:spcPts val="500"/>
-                  </a:spcBef>
-                  <a:buFont typeface="Arial" panose="020B0604020202020204" pitchFamily="34" charset="0"/>
-                  <a:buNone/>
-                  <a:defRPr sz="1600" kern="1200">
-                    <a:solidFill>
-                      <a:schemeClr val="tx1"/>
-                    </a:solidFill>
-                    <a:latin typeface="+mn-lt"/>
-                    <a:ea typeface="+mn-ea"/>
-                    <a:cs typeface="+mn-cs"/>
-                  </a:defRPr>
-                </a:lvl4pPr>
-                <a:lvl5pPr marL="1828800" indent="0" algn="ctr" defTabSz="914400" rtl="0" eaLnBrk="1" latinLnBrk="0" hangingPunct="1">
-                  <a:lnSpc>
-                    <a:spcPct val="90000"/>
-                  </a:lnSpc>
-                  <a:spcBef>
-                    <a:spcPts val="500"/>
-                  </a:spcBef>
-                  <a:buFont typeface="Arial" panose="020B0604020202020204" pitchFamily="34" charset="0"/>
-                  <a:buNone/>
-                  <a:defRPr sz="1600" kern="1200">
-                    <a:solidFill>
-                      <a:schemeClr val="tx1"/>
-                    </a:solidFill>
-                    <a:latin typeface="+mn-lt"/>
-                    <a:ea typeface="+mn-ea"/>
-                    <a:cs typeface="+mn-cs"/>
-                  </a:defRPr>
-                </a:lvl5pPr>
-                <a:lvl6pPr marL="2286000" indent="0" algn="ctr" defTabSz="914400" rtl="0" eaLnBrk="1" latinLnBrk="0" hangingPunct="1">
-                  <a:lnSpc>
-                    <a:spcPct val="90000"/>
-                  </a:lnSpc>
-                  <a:spcBef>
-                    <a:spcPts val="500"/>
-                  </a:spcBef>
-                  <a:buFont typeface="Arial" panose="020B0604020202020204" pitchFamily="34" charset="0"/>
-                  <a:buNone/>
-                  <a:defRPr sz="1600" kern="1200">
-                    <a:solidFill>
-                      <a:schemeClr val="tx1"/>
-                    </a:solidFill>
-                    <a:latin typeface="+mn-lt"/>
-                    <a:ea typeface="+mn-ea"/>
-                    <a:cs typeface="+mn-cs"/>
-                  </a:defRPr>
-                </a:lvl6pPr>
-                <a:lvl7pPr marL="2743200" indent="0" algn="ctr" defTabSz="914400" rtl="0" eaLnBrk="1" latinLnBrk="0" hangingPunct="1">
-                  <a:lnSpc>
-                    <a:spcPct val="90000"/>
-                  </a:lnSpc>
-                  <a:spcBef>
-                    <a:spcPts val="500"/>
-                  </a:spcBef>
-                  <a:buFont typeface="Arial" panose="020B0604020202020204" pitchFamily="34" charset="0"/>
-                  <a:buNone/>
-                  <a:defRPr sz="1600" kern="1200">
-                    <a:solidFill>
-                      <a:schemeClr val="tx1"/>
-                    </a:solidFill>
-                    <a:latin typeface="+mn-lt"/>
-                    <a:ea typeface="+mn-ea"/>
-                    <a:cs typeface="+mn-cs"/>
-                  </a:defRPr>
-                </a:lvl7pPr>
-                <a:lvl8pPr marL="3200400" indent="0" algn="ctr" defTabSz="914400" rtl="0" eaLnBrk="1" latinLnBrk="0" hangingPunct="1">
-                  <a:lnSpc>
-                    <a:spcPct val="90000"/>
-                  </a:lnSpc>
-                  <a:spcBef>
-                    <a:spcPts val="500"/>
-                  </a:spcBef>
-                  <a:buFont typeface="Arial" panose="020B0604020202020204" pitchFamily="34" charset="0"/>
-                  <a:buNone/>
-                  <a:defRPr sz="1600" kern="1200">
-                    <a:solidFill>
-                      <a:schemeClr val="tx1"/>
-                    </a:solidFill>
-                    <a:latin typeface="+mn-lt"/>
-                    <a:ea typeface="+mn-ea"/>
-                    <a:cs typeface="+mn-cs"/>
-                  </a:defRPr>
-                </a:lvl8pPr>
-                <a:lvl9pPr marL="3657600" indent="0" algn="ctr" defTabSz="914400" rtl="0" eaLnBrk="1" latinLnBrk="0" hangingPunct="1">
-                  <a:lnSpc>
-                    <a:spcPct val="90000"/>
-                  </a:lnSpc>
-                  <a:spcBef>
-                    <a:spcPts val="500"/>
-                  </a:spcBef>
-                  <a:buFont typeface="Arial" panose="020B0604020202020204" pitchFamily="34" charset="0"/>
-                  <a:buNone/>
-                  <a:defRPr sz="1600" kern="1200">
-                    <a:solidFill>
-                      <a:schemeClr val="tx1"/>
-                    </a:solidFill>
-                    <a:latin typeface="+mn-lt"/>
-                    <a:ea typeface="+mn-ea"/>
-                    <a:cs typeface="+mn-cs"/>
-                  </a:defRPr>
-                </a:lvl9pPr>
-              </a:lstStyle>
-              <a:p>
-                <a:pPr>
-                  <a:lnSpc>
-                    <a:spcPct val="100000"/>
-                  </a:lnSpc>
-                </a:pPr>
-                <a:r>
-                  <a:rPr lang="en-US" sz="1800" b="1" i="1" dirty="0">
-                    <a:solidFill>
-                      <a:schemeClr val="bg2">
-                        <a:lumMod val="25000"/>
-                      </a:schemeClr>
-                    </a:solidFill>
-                    <a:latin typeface="Cambria Math" panose="02040503050406030204" pitchFamily="18" charset="0"/>
-                  </a:rPr>
-                  <a:t>The optimal debt level is a function of the model’s parameters.  Authors provide comparative statics on the probability of reorganization given default.</a:t>
-                </a:r>
-              </a:p>
-              <a:p>
-                <a:pPr algn="l">
-                  <a:lnSpc>
-                    <a:spcPct val="100000"/>
-                  </a:lnSpc>
-                </a:pPr>
-                <a:r>
-                  <a:rPr lang="en-US" sz="1800" dirty="0">
-                    <a:solidFill>
-                      <a:schemeClr val="bg2">
-                        <a:lumMod val="25000"/>
-                      </a:schemeClr>
-                    </a:solidFill>
-                    <a:latin typeface="Cambria Math" panose="02040503050406030204" pitchFamily="18" charset="0"/>
-                  </a:rPr>
-                  <a:t>Stockholders will be </a:t>
-                </a:r>
-                <a:r>
-                  <a:rPr lang="en-US" sz="1800" b="1" dirty="0">
-                    <a:solidFill>
-                      <a:schemeClr val="bg2">
-                        <a:lumMod val="25000"/>
-                      </a:schemeClr>
-                    </a:solidFill>
-                    <a:latin typeface="Cambria Math" panose="02040503050406030204" pitchFamily="18" charset="0"/>
-                  </a:rPr>
-                  <a:t>indifferent between liquidation and reorganization </a:t>
-                </a:r>
-                <a:r>
-                  <a:rPr lang="en-US" sz="1800" dirty="0">
-                    <a:solidFill>
-                      <a:schemeClr val="bg2">
-                        <a:lumMod val="25000"/>
-                      </a:schemeClr>
-                    </a:solidFill>
-                    <a:latin typeface="Cambria Math" panose="02040503050406030204" pitchFamily="18" charset="0"/>
-                  </a:rPr>
-                  <a:t>if the liquidation value equals the present value of expected second -period income.</a:t>
-                </a:r>
-              </a:p>
-              <a:p>
-                <a:pPr algn="l">
-                  <a:lnSpc>
-                    <a:spcPct val="100000"/>
-                  </a:lnSpc>
-                </a:pPr>
-                <a:endParaRPr lang="en-US" sz="1800" i="1" dirty="0">
-                  <a:solidFill>
-                    <a:schemeClr val="bg2">
-                      <a:lumMod val="25000"/>
-                    </a:schemeClr>
-                  </a:solidFill>
-                  <a:latin typeface="Cambria Math" panose="02040503050406030204" pitchFamily="18" charset="0"/>
-                </a:endParaRPr>
-              </a:p>
-              <a:p>
-                <a:pPr algn="l">
-                  <a:lnSpc>
-                    <a:spcPct val="100000"/>
-                  </a:lnSpc>
-                </a:pPr>
-                <a14:m>
-                  <m:oMathPara xmlns:m="http://schemas.openxmlformats.org/officeDocument/2006/math">
-                    <m:oMathParaPr>
-                      <m:jc m:val="centerGroup"/>
-                    </m:oMathParaPr>
-                    <m:oMath xmlns:m="http://schemas.openxmlformats.org/officeDocument/2006/math">
-                      <m:r>
-                        <a:rPr lang="en-US" sz="1800" b="0" i="1" smtClean="0">
-                          <a:solidFill>
-                            <a:schemeClr val="bg2">
-                              <a:lumMod val="25000"/>
-                            </a:schemeClr>
-                          </a:solidFill>
-                          <a:latin typeface="Cambria Math" panose="02040503050406030204" pitchFamily="18" charset="0"/>
-                          <a:ea typeface="Cambria Math" panose="02040503050406030204" pitchFamily="18" charset="0"/>
-                        </a:rPr>
-                        <m:t>𝐿</m:t>
-                      </m:r>
-                      <m:r>
-                        <a:rPr lang="en-US" sz="1800" b="0" i="1" smtClean="0">
-                          <a:solidFill>
-                            <a:schemeClr val="bg2">
-                              <a:lumMod val="25000"/>
-                            </a:schemeClr>
-                          </a:solidFill>
-                          <a:latin typeface="Cambria Math" panose="02040503050406030204" pitchFamily="18" charset="0"/>
-                          <a:ea typeface="Cambria Math" panose="02040503050406030204" pitchFamily="18" charset="0"/>
-                        </a:rPr>
-                        <m:t>(</m:t>
-                      </m:r>
-                      <m:r>
-                        <a:rPr lang="en-US" sz="1800" b="0" i="1" smtClean="0">
-                          <a:solidFill>
-                            <a:schemeClr val="bg2">
-                              <a:lumMod val="25000"/>
-                            </a:schemeClr>
-                          </a:solidFill>
-                          <a:latin typeface="Cambria Math" panose="02040503050406030204" pitchFamily="18" charset="0"/>
-                          <a:ea typeface="Cambria Math" panose="02040503050406030204" pitchFamily="18" charset="0"/>
-                        </a:rPr>
-                        <m:t>𝑥</m:t>
-                      </m:r>
-                      <m:r>
-                        <a:rPr lang="en-US" sz="1800" b="0" i="1" smtClean="0">
-                          <a:solidFill>
-                            <a:schemeClr val="bg2">
-                              <a:lumMod val="25000"/>
-                            </a:schemeClr>
-                          </a:solidFill>
-                          <a:latin typeface="Cambria Math" panose="02040503050406030204" pitchFamily="18" charset="0"/>
-                          <a:ea typeface="Cambria Math" panose="02040503050406030204" pitchFamily="18" charset="0"/>
-                        </a:rPr>
-                        <m:t>, </m:t>
-                      </m:r>
-                      <m:r>
-                        <a:rPr lang="en-US" sz="1800" b="0" i="1" smtClean="0">
-                          <a:solidFill>
-                            <a:schemeClr val="bg2">
-                              <a:lumMod val="25000"/>
-                            </a:schemeClr>
-                          </a:solidFill>
-                          <a:latin typeface="Cambria Math" panose="02040503050406030204" pitchFamily="18" charset="0"/>
-                          <a:ea typeface="Cambria Math" panose="02040503050406030204" pitchFamily="18" charset="0"/>
-                        </a:rPr>
-                        <m:t>𝑎</m:t>
-                      </m:r>
-                      <m:d>
-                        <m:dPr>
-                          <m:ctrlPr>
-                            <a:rPr lang="en-US" sz="1800" b="0" i="1" smtClean="0">
-                              <a:solidFill>
-                                <a:schemeClr val="bg2">
-                                  <a:lumMod val="25000"/>
-                                </a:schemeClr>
-                              </a:solidFill>
-                              <a:latin typeface="Cambria Math" panose="02040503050406030204" pitchFamily="18" charset="0"/>
-                              <a:ea typeface="Cambria Math" panose="02040503050406030204" pitchFamily="18" charset="0"/>
-                            </a:rPr>
-                          </m:ctrlPr>
-                        </m:dPr>
-                        <m:e>
-                          <m:r>
-                            <a:rPr lang="en-US" sz="1800" b="0" i="1" smtClean="0">
-                              <a:solidFill>
-                                <a:schemeClr val="bg2">
-                                  <a:lumMod val="25000"/>
-                                </a:schemeClr>
-                              </a:solidFill>
-                              <a:latin typeface="Cambria Math" panose="02040503050406030204" pitchFamily="18" charset="0"/>
-                              <a:ea typeface="Cambria Math" panose="02040503050406030204" pitchFamily="18" charset="0"/>
-                            </a:rPr>
-                            <m:t>𝑥</m:t>
-                          </m:r>
-                          <m:r>
-                            <a:rPr lang="en-US" sz="1800" b="0" i="1" smtClean="0">
-                              <a:solidFill>
-                                <a:schemeClr val="bg2">
-                                  <a:lumMod val="25000"/>
-                                </a:schemeClr>
-                              </a:solidFill>
-                              <a:latin typeface="Cambria Math" panose="02040503050406030204" pitchFamily="18" charset="0"/>
-                              <a:ea typeface="Cambria Math" panose="02040503050406030204" pitchFamily="18" charset="0"/>
-                            </a:rPr>
-                            <m:t>,</m:t>
-                          </m:r>
-                          <m:r>
-                            <a:rPr lang="en-US" sz="1800" b="0" i="1" smtClean="0">
-                              <a:solidFill>
-                                <a:schemeClr val="bg2">
-                                  <a:lumMod val="25000"/>
-                                </a:schemeClr>
-                              </a:solidFill>
-                              <a:latin typeface="Cambria Math" panose="02040503050406030204" pitchFamily="18" charset="0"/>
-                              <a:ea typeface="Cambria Math" panose="02040503050406030204" pitchFamily="18" charset="0"/>
-                            </a:rPr>
-                            <m:t>𝑠</m:t>
-                          </m:r>
-                        </m:e>
-                      </m:d>
-                      <m:r>
-                        <a:rPr lang="en-US" sz="1800" b="0" i="1" smtClean="0">
-                          <a:solidFill>
-                            <a:schemeClr val="bg2">
-                              <a:lumMod val="25000"/>
-                            </a:schemeClr>
-                          </a:solidFill>
-                          <a:latin typeface="Cambria Math" panose="02040503050406030204" pitchFamily="18" charset="0"/>
-                          <a:ea typeface="Cambria Math" panose="02040503050406030204" pitchFamily="18" charset="0"/>
-                        </a:rPr>
-                        <m:t>,</m:t>
-                      </m:r>
-                      <m:r>
-                        <a:rPr lang="en-US" sz="1800" b="0" i="1" smtClean="0">
-                          <a:solidFill>
-                            <a:schemeClr val="bg2">
-                              <a:lumMod val="25000"/>
-                            </a:schemeClr>
-                          </a:solidFill>
-                          <a:latin typeface="Cambria Math" panose="02040503050406030204" pitchFamily="18" charset="0"/>
-                          <a:ea typeface="Cambria Math" panose="02040503050406030204" pitchFamily="18" charset="0"/>
-                        </a:rPr>
-                        <m:t>𝑠</m:t>
-                      </m:r>
-                      <m:r>
-                        <a:rPr lang="en-US" sz="1800" b="0" i="1" smtClean="0">
-                          <a:solidFill>
-                            <a:schemeClr val="bg2">
-                              <a:lumMod val="25000"/>
-                            </a:schemeClr>
-                          </a:solidFill>
-                          <a:latin typeface="Cambria Math" panose="02040503050406030204" pitchFamily="18" charset="0"/>
-                          <a:ea typeface="Cambria Math" panose="02040503050406030204" pitchFamily="18" charset="0"/>
-                        </a:rPr>
-                        <m:t>)=</m:t>
-                      </m:r>
-                      <m:r>
-                        <a:rPr lang="en-US" sz="1800" i="1">
-                          <a:solidFill>
-                            <a:schemeClr val="bg2">
-                              <a:lumMod val="25000"/>
-                            </a:schemeClr>
-                          </a:solidFill>
-                          <a:latin typeface="Cambria Math" panose="02040503050406030204" pitchFamily="18" charset="0"/>
-                          <a:ea typeface="Cambria Math" panose="02040503050406030204" pitchFamily="18" charset="0"/>
-                        </a:rPr>
-                        <m:t>𝛽</m:t>
-                      </m:r>
-                      <m:sSup>
-                        <m:sSupPr>
-                          <m:ctrlPr>
-                            <a:rPr lang="en-US" sz="1800" i="1">
-                              <a:solidFill>
-                                <a:schemeClr val="bg2">
-                                  <a:lumMod val="25000"/>
-                                </a:schemeClr>
-                              </a:solidFill>
-                              <a:latin typeface="Cambria Math" panose="02040503050406030204" pitchFamily="18" charset="0"/>
-                              <a:ea typeface="Cambria Math" panose="02040503050406030204" pitchFamily="18" charset="0"/>
-                            </a:rPr>
-                          </m:ctrlPr>
-                        </m:sSupPr>
-                        <m:e>
-                          <m:acc>
-                            <m:accPr>
-                              <m:chr m:val="̅"/>
-                              <m:ctrlPr>
-                                <a:rPr lang="en-US" sz="1800" i="1">
-                                  <a:solidFill>
-                                    <a:schemeClr val="bg2">
-                                      <a:lumMod val="25000"/>
-                                    </a:schemeClr>
-                                  </a:solidFill>
-                                  <a:latin typeface="Cambria Math" panose="02040503050406030204" pitchFamily="18" charset="0"/>
-                                  <a:ea typeface="Cambria Math" panose="02040503050406030204" pitchFamily="18" charset="0"/>
-                                </a:rPr>
-                              </m:ctrlPr>
-                            </m:accPr>
-                            <m:e>
-                              <m:r>
-                                <a:rPr lang="en-US" sz="1800" i="1">
-                                  <a:solidFill>
-                                    <a:schemeClr val="bg2">
-                                      <a:lumMod val="25000"/>
-                                    </a:schemeClr>
-                                  </a:solidFill>
-                                  <a:latin typeface="Cambria Math" panose="02040503050406030204" pitchFamily="18" charset="0"/>
-                                  <a:ea typeface="Cambria Math" panose="02040503050406030204" pitchFamily="18" charset="0"/>
-                                </a:rPr>
-                                <m:t>𝑥</m:t>
-                              </m:r>
-                            </m:e>
-                          </m:acc>
-                        </m:e>
-                        <m:sup>
-                          <m:r>
-                            <a:rPr lang="en-US" sz="1800" b="0" i="1" smtClean="0">
-                              <a:solidFill>
-                                <a:schemeClr val="bg2">
-                                  <a:lumMod val="25000"/>
-                                </a:schemeClr>
-                              </a:solidFill>
-                              <a:latin typeface="Cambria Math" panose="02040503050406030204" pitchFamily="18" charset="0"/>
-                              <a:ea typeface="Cambria Math" panose="02040503050406030204" pitchFamily="18" charset="0"/>
-                            </a:rPr>
-                            <m:t>𝑖</m:t>
-                          </m:r>
-                        </m:sup>
-                      </m:sSup>
-                      <m:d>
-                        <m:dPr>
-                          <m:ctrlPr>
-                            <a:rPr lang="en-US" sz="1800" i="1">
-                              <a:solidFill>
-                                <a:schemeClr val="bg2">
-                                  <a:lumMod val="25000"/>
-                                </a:schemeClr>
-                              </a:solidFill>
-                              <a:latin typeface="Cambria Math" panose="02040503050406030204" pitchFamily="18" charset="0"/>
-                              <a:ea typeface="Cambria Math" panose="02040503050406030204" pitchFamily="18" charset="0"/>
-                            </a:rPr>
-                          </m:ctrlPr>
-                        </m:dPr>
-                        <m:e>
-                          <m:r>
-                            <a:rPr lang="en-US" sz="1800" i="1">
-                              <a:solidFill>
-                                <a:schemeClr val="bg2">
-                                  <a:lumMod val="25000"/>
-                                </a:schemeClr>
-                              </a:solidFill>
-                              <a:latin typeface="Cambria Math" panose="02040503050406030204" pitchFamily="18" charset="0"/>
-                              <a:ea typeface="Cambria Math" panose="02040503050406030204" pitchFamily="18" charset="0"/>
-                            </a:rPr>
-                            <m:t>𝑥</m:t>
-                          </m:r>
-                          <m:r>
-                            <a:rPr lang="en-US" sz="1800" i="1">
-                              <a:solidFill>
-                                <a:schemeClr val="bg2">
-                                  <a:lumMod val="25000"/>
-                                </a:schemeClr>
-                              </a:solidFill>
-                              <a:latin typeface="Cambria Math" panose="02040503050406030204" pitchFamily="18" charset="0"/>
-                              <a:ea typeface="Cambria Math" panose="02040503050406030204" pitchFamily="18" charset="0"/>
-                            </a:rPr>
-                            <m:t>,</m:t>
-                          </m:r>
-                          <m:r>
-                            <a:rPr lang="en-US" sz="1800" b="0" i="1" smtClean="0">
-                              <a:solidFill>
-                                <a:schemeClr val="bg2">
-                                  <a:lumMod val="25000"/>
-                                </a:schemeClr>
-                              </a:solidFill>
-                              <a:latin typeface="Cambria Math" panose="02040503050406030204" pitchFamily="18" charset="0"/>
-                              <a:ea typeface="Cambria Math" panose="02040503050406030204" pitchFamily="18" charset="0"/>
-                            </a:rPr>
-                            <m:t>𝑎</m:t>
-                          </m:r>
-                          <m:r>
-                            <a:rPr lang="en-US" sz="1800" b="0" i="1" smtClean="0">
-                              <a:solidFill>
-                                <a:schemeClr val="bg2">
-                                  <a:lumMod val="25000"/>
-                                </a:schemeClr>
-                              </a:solidFill>
-                              <a:latin typeface="Cambria Math" panose="02040503050406030204" pitchFamily="18" charset="0"/>
-                              <a:ea typeface="Cambria Math" panose="02040503050406030204" pitchFamily="18" charset="0"/>
-                            </a:rPr>
-                            <m:t>(</m:t>
-                          </m:r>
-                          <m:r>
-                            <a:rPr lang="en-US" sz="1800" b="0" i="1" smtClean="0">
-                              <a:solidFill>
-                                <a:schemeClr val="bg2">
-                                  <a:lumMod val="25000"/>
-                                </a:schemeClr>
-                              </a:solidFill>
-                              <a:latin typeface="Cambria Math" panose="02040503050406030204" pitchFamily="18" charset="0"/>
-                              <a:ea typeface="Cambria Math" panose="02040503050406030204" pitchFamily="18" charset="0"/>
-                            </a:rPr>
-                            <m:t>𝑥</m:t>
-                          </m:r>
-                          <m:r>
-                            <a:rPr lang="en-US" sz="1800" b="0" i="1" smtClean="0">
-                              <a:solidFill>
-                                <a:schemeClr val="bg2">
-                                  <a:lumMod val="25000"/>
-                                </a:schemeClr>
-                              </a:solidFill>
-                              <a:latin typeface="Cambria Math" panose="02040503050406030204" pitchFamily="18" charset="0"/>
-                              <a:ea typeface="Cambria Math" panose="02040503050406030204" pitchFamily="18" charset="0"/>
-                            </a:rPr>
-                            <m:t>,</m:t>
-                          </m:r>
-                          <m:r>
-                            <a:rPr lang="en-US" sz="1800" b="0" i="1" smtClean="0">
-                              <a:solidFill>
-                                <a:schemeClr val="bg2">
-                                  <a:lumMod val="25000"/>
-                                </a:schemeClr>
-                              </a:solidFill>
-                              <a:latin typeface="Cambria Math" panose="02040503050406030204" pitchFamily="18" charset="0"/>
-                              <a:ea typeface="Cambria Math" panose="02040503050406030204" pitchFamily="18" charset="0"/>
-                            </a:rPr>
-                            <m:t>𝑠</m:t>
-                          </m:r>
-                        </m:e>
-                      </m:d>
-                      <m:r>
-                        <a:rPr lang="en-US" sz="1800" b="0" i="1" smtClean="0">
-                          <a:solidFill>
-                            <a:schemeClr val="bg2">
-                              <a:lumMod val="25000"/>
-                            </a:schemeClr>
-                          </a:solidFill>
-                          <a:latin typeface="Cambria Math" panose="02040503050406030204" pitchFamily="18" charset="0"/>
-                          <a:ea typeface="Cambria Math" panose="02040503050406030204" pitchFamily="18" charset="0"/>
-                        </a:rPr>
-                        <m:t>,</m:t>
-                      </m:r>
-                      <m:r>
-                        <a:rPr lang="en-US" sz="1800" b="0" i="1" smtClean="0">
-                          <a:solidFill>
-                            <a:schemeClr val="bg2">
-                              <a:lumMod val="25000"/>
-                            </a:schemeClr>
-                          </a:solidFill>
-                          <a:latin typeface="Cambria Math" panose="02040503050406030204" pitchFamily="18" charset="0"/>
-                          <a:ea typeface="Cambria Math" panose="02040503050406030204" pitchFamily="18" charset="0"/>
-                        </a:rPr>
-                        <m:t>𝑠</m:t>
-                      </m:r>
-                      <m:r>
-                        <a:rPr lang="en-US" sz="1800" b="0" i="1" smtClean="0">
-                          <a:solidFill>
-                            <a:schemeClr val="bg2">
-                              <a:lumMod val="25000"/>
-                            </a:schemeClr>
-                          </a:solidFill>
-                          <a:latin typeface="Cambria Math" panose="02040503050406030204" pitchFamily="18" charset="0"/>
-                          <a:ea typeface="Cambria Math" panose="02040503050406030204" pitchFamily="18" charset="0"/>
-                        </a:rPr>
-                        <m:t>)</m:t>
-                      </m:r>
-                    </m:oMath>
-                  </m:oMathPara>
-                </a14:m>
-                <a:endParaRPr lang="en-US" sz="1800" i="1" dirty="0">
-                  <a:solidFill>
-                    <a:schemeClr val="bg2">
-                      <a:lumMod val="25000"/>
-                    </a:schemeClr>
-                  </a:solidFill>
-                  <a:latin typeface="Cambria Math" panose="02040503050406030204" pitchFamily="18" charset="0"/>
-                </a:endParaRPr>
-              </a:p>
-              <a:p>
-                <a:pPr algn="l">
-                  <a:lnSpc>
-                    <a:spcPct val="100000"/>
-                  </a:lnSpc>
-                </a:pPr>
-                <a:endParaRPr lang="en-US" sz="1800" i="1" dirty="0">
-                  <a:solidFill>
-                    <a:schemeClr val="bg2">
-                      <a:lumMod val="25000"/>
-                    </a:schemeClr>
-                  </a:solidFill>
-                  <a:latin typeface="Cambria Math" panose="02040503050406030204" pitchFamily="18" charset="0"/>
-                </a:endParaRPr>
-              </a:p>
-              <a:p>
-                <a:pPr algn="l">
-                  <a:lnSpc>
-                    <a:spcPct val="100000"/>
-                  </a:lnSpc>
-                </a:pPr>
-                <a:r>
-                  <a:rPr lang="en-US" sz="1800" dirty="0">
-                    <a:solidFill>
-                      <a:schemeClr val="bg2">
-                        <a:lumMod val="25000"/>
-                      </a:schemeClr>
-                    </a:solidFill>
-                    <a:latin typeface="Cambria Math" panose="02040503050406030204" pitchFamily="18" charset="0"/>
-                  </a:rPr>
-                  <a:t>Therefore, shareholders prefer to reorganize if and only if </a:t>
-                </a:r>
-                <a14:m>
-                  <m:oMath xmlns:m="http://schemas.openxmlformats.org/officeDocument/2006/math">
-                    <m:r>
-                      <a:rPr lang="en-US" sz="1800" b="0" i="1" smtClean="0">
-                        <a:solidFill>
-                          <a:schemeClr val="bg2">
-                            <a:lumMod val="25000"/>
-                          </a:schemeClr>
-                        </a:solidFill>
-                        <a:latin typeface="Cambria Math" panose="02040503050406030204" pitchFamily="18" charset="0"/>
-                      </a:rPr>
-                      <m:t>𝑎</m:t>
-                    </m:r>
-                    <m:r>
-                      <a:rPr lang="en-US" sz="1800" b="0" i="1" smtClean="0">
-                        <a:solidFill>
-                          <a:schemeClr val="bg2">
-                            <a:lumMod val="25000"/>
-                          </a:schemeClr>
-                        </a:solidFill>
-                        <a:latin typeface="Cambria Math" panose="02040503050406030204" pitchFamily="18" charset="0"/>
-                        <a:ea typeface="Cambria Math" panose="02040503050406030204" pitchFamily="18" charset="0"/>
-                      </a:rPr>
-                      <m:t>≥</m:t>
-                    </m:r>
-                    <m:r>
-                      <a:rPr lang="en-US" sz="1800" b="0" i="1" smtClean="0">
-                        <a:solidFill>
-                          <a:schemeClr val="bg2">
-                            <a:lumMod val="25000"/>
-                          </a:schemeClr>
-                        </a:solidFill>
-                        <a:latin typeface="Cambria Math" panose="02040503050406030204" pitchFamily="18" charset="0"/>
-                        <a:ea typeface="Cambria Math" panose="02040503050406030204" pitchFamily="18" charset="0"/>
-                      </a:rPr>
-                      <m:t>𝑎</m:t>
-                    </m:r>
-                    <m:r>
-                      <a:rPr lang="en-US" sz="1800" b="0" i="1" smtClean="0">
-                        <a:solidFill>
-                          <a:schemeClr val="bg2">
-                            <a:lumMod val="25000"/>
-                          </a:schemeClr>
-                        </a:solidFill>
-                        <a:latin typeface="Cambria Math" panose="02040503050406030204" pitchFamily="18" charset="0"/>
-                        <a:ea typeface="Cambria Math" panose="02040503050406030204" pitchFamily="18" charset="0"/>
-                      </a:rPr>
-                      <m:t>(</m:t>
-                    </m:r>
-                    <m:r>
-                      <a:rPr lang="en-US" sz="1800" b="0" i="1" smtClean="0">
-                        <a:solidFill>
-                          <a:schemeClr val="bg2">
-                            <a:lumMod val="25000"/>
-                          </a:schemeClr>
-                        </a:solidFill>
-                        <a:latin typeface="Cambria Math" panose="02040503050406030204" pitchFamily="18" charset="0"/>
-                        <a:ea typeface="Cambria Math" panose="02040503050406030204" pitchFamily="18" charset="0"/>
-                      </a:rPr>
-                      <m:t>𝑥</m:t>
-                    </m:r>
-                    <m:r>
-                      <a:rPr lang="en-US" sz="1800" b="0" i="1" smtClean="0">
-                        <a:solidFill>
-                          <a:schemeClr val="bg2">
-                            <a:lumMod val="25000"/>
-                          </a:schemeClr>
-                        </a:solidFill>
-                        <a:latin typeface="Cambria Math" panose="02040503050406030204" pitchFamily="18" charset="0"/>
-                        <a:ea typeface="Cambria Math" panose="02040503050406030204" pitchFamily="18" charset="0"/>
-                      </a:rPr>
-                      <m:t>,</m:t>
-                    </m:r>
-                    <m:r>
-                      <a:rPr lang="en-US" sz="1800" b="0" i="1" smtClean="0">
-                        <a:solidFill>
-                          <a:schemeClr val="bg2">
-                            <a:lumMod val="25000"/>
-                          </a:schemeClr>
-                        </a:solidFill>
-                        <a:latin typeface="Cambria Math" panose="02040503050406030204" pitchFamily="18" charset="0"/>
-                        <a:ea typeface="Cambria Math" panose="02040503050406030204" pitchFamily="18" charset="0"/>
-                      </a:rPr>
-                      <m:t>𝑠</m:t>
-                    </m:r>
-                    <m:r>
-                      <a:rPr lang="en-US" sz="1800" b="0" i="1" smtClean="0">
-                        <a:solidFill>
-                          <a:schemeClr val="bg2">
-                            <a:lumMod val="25000"/>
-                          </a:schemeClr>
-                        </a:solidFill>
-                        <a:latin typeface="Cambria Math" panose="02040503050406030204" pitchFamily="18" charset="0"/>
-                        <a:ea typeface="Cambria Math" panose="02040503050406030204" pitchFamily="18" charset="0"/>
-                      </a:rPr>
-                      <m:t>)</m:t>
-                    </m:r>
-                  </m:oMath>
-                </a14:m>
-                <a:r>
-                  <a:rPr lang="en-US" sz="1800" dirty="0">
-                    <a:solidFill>
-                      <a:schemeClr val="bg2">
-                        <a:lumMod val="25000"/>
-                      </a:schemeClr>
-                    </a:solidFill>
-                    <a:latin typeface="Cambria Math" panose="02040503050406030204" pitchFamily="18" charset="0"/>
-                  </a:rPr>
-                  <a:t> (level of the audit signal)</a:t>
-                </a:r>
-              </a:p>
-              <a:p>
-                <a:pPr algn="l">
-                  <a:lnSpc>
-                    <a:spcPct val="100000"/>
-                  </a:lnSpc>
-                </a:pPr>
-                <a:endParaRPr lang="en-US" sz="1800" b="0" i="1" dirty="0">
-                  <a:solidFill>
-                    <a:schemeClr val="bg2">
-                      <a:lumMod val="25000"/>
-                    </a:schemeClr>
-                  </a:solidFill>
-                  <a:latin typeface="Cambria Math" panose="02040503050406030204" pitchFamily="18" charset="0"/>
-                </a:endParaRPr>
-              </a:p>
-              <a:p>
-                <a:pPr algn="l">
-                  <a:lnSpc>
-                    <a:spcPct val="100000"/>
-                  </a:lnSpc>
-                </a:pPr>
-                <a14:m>
-                  <m:oMathPara xmlns:m="http://schemas.openxmlformats.org/officeDocument/2006/math">
-                    <m:oMathParaPr>
-                      <m:jc m:val="centerGroup"/>
-                    </m:oMathParaPr>
-                    <m:oMath xmlns:m="http://schemas.openxmlformats.org/officeDocument/2006/math">
-                      <m:r>
-                        <a:rPr lang="en-US" sz="1800" b="0" i="1" smtClean="0">
-                          <a:solidFill>
-                            <a:schemeClr val="bg2">
-                              <a:lumMod val="25000"/>
-                            </a:schemeClr>
-                          </a:solidFill>
-                          <a:latin typeface="Cambria Math" panose="02040503050406030204" pitchFamily="18" charset="0"/>
-                        </a:rPr>
-                        <m:t>𝑃</m:t>
-                      </m:r>
-                      <m:d>
-                        <m:dPr>
-                          <m:ctrlPr>
-                            <a:rPr lang="en-US" sz="1800" b="0" i="1" smtClean="0">
-                              <a:solidFill>
-                                <a:schemeClr val="bg2">
-                                  <a:lumMod val="25000"/>
-                                </a:schemeClr>
-                              </a:solidFill>
-                              <a:latin typeface="Cambria Math" panose="02040503050406030204" pitchFamily="18" charset="0"/>
-                            </a:rPr>
-                          </m:ctrlPr>
-                        </m:dPr>
-                        <m:e>
-                          <m:r>
-                            <a:rPr lang="en-US" sz="1800" b="0" i="1" smtClean="0">
-                              <a:solidFill>
-                                <a:schemeClr val="bg2">
-                                  <a:lumMod val="25000"/>
-                                </a:schemeClr>
-                              </a:solidFill>
-                              <a:latin typeface="Cambria Math" panose="02040503050406030204" pitchFamily="18" charset="0"/>
-                            </a:rPr>
-                            <m:t>𝑅</m:t>
-                          </m:r>
-                        </m:e>
-                        <m:e>
-                          <m:r>
-                            <a:rPr lang="en-US" sz="1800" b="0" i="1" smtClean="0">
-                              <a:solidFill>
-                                <a:schemeClr val="bg2">
-                                  <a:lumMod val="25000"/>
-                                </a:schemeClr>
-                              </a:solidFill>
-                              <a:latin typeface="Cambria Math" panose="02040503050406030204" pitchFamily="18" charset="0"/>
-                            </a:rPr>
-                            <m:t>𝑥</m:t>
-                          </m:r>
-                          <m:r>
-                            <a:rPr lang="en-US" sz="1800" b="0" i="1" smtClean="0">
-                              <a:solidFill>
-                                <a:schemeClr val="bg2">
-                                  <a:lumMod val="25000"/>
-                                </a:schemeClr>
-                              </a:solidFill>
-                              <a:latin typeface="Cambria Math" panose="02040503050406030204" pitchFamily="18" charset="0"/>
-                            </a:rPr>
-                            <m:t>,</m:t>
-                          </m:r>
-                          <m:r>
-                            <a:rPr lang="en-US" sz="1800" b="0" i="1" smtClean="0">
-                              <a:solidFill>
-                                <a:schemeClr val="bg2">
-                                  <a:lumMod val="25000"/>
-                                </a:schemeClr>
-                              </a:solidFill>
-                              <a:latin typeface="Cambria Math" panose="02040503050406030204" pitchFamily="18" charset="0"/>
-                            </a:rPr>
-                            <m:t>𝑠</m:t>
-                          </m:r>
-                        </m:e>
-                      </m:d>
-                      <m:r>
-                        <a:rPr lang="en-US" sz="1800" b="0" i="1" smtClean="0">
-                          <a:solidFill>
-                            <a:schemeClr val="bg2">
-                              <a:lumMod val="25000"/>
-                            </a:schemeClr>
-                          </a:solidFill>
-                          <a:latin typeface="Cambria Math" panose="02040503050406030204" pitchFamily="18" charset="0"/>
-                        </a:rPr>
-                        <m:t>=1−</m:t>
-                      </m:r>
-                      <m:r>
-                        <a:rPr lang="en-US" sz="1800" b="0" i="1" smtClean="0">
-                          <a:solidFill>
-                            <a:schemeClr val="bg2">
-                              <a:lumMod val="25000"/>
-                            </a:schemeClr>
-                          </a:solidFill>
-                          <a:latin typeface="Cambria Math" panose="02040503050406030204" pitchFamily="18" charset="0"/>
-                        </a:rPr>
-                        <m:t>𝐹</m:t>
-                      </m:r>
-                      <m:d>
-                        <m:dPr>
-                          <m:begChr m:val="["/>
-                          <m:endChr m:val="]"/>
-                          <m:ctrlPr>
-                            <a:rPr lang="en-US" sz="1800" b="0" i="1" smtClean="0">
-                              <a:solidFill>
-                                <a:schemeClr val="bg2">
-                                  <a:lumMod val="25000"/>
-                                </a:schemeClr>
-                              </a:solidFill>
-                              <a:latin typeface="Cambria Math" panose="02040503050406030204" pitchFamily="18" charset="0"/>
-                            </a:rPr>
-                          </m:ctrlPr>
-                        </m:dPr>
-                        <m:e>
-                          <m:r>
-                            <a:rPr lang="en-US" sz="1800" b="0" i="1" smtClean="0">
-                              <a:solidFill>
-                                <a:schemeClr val="bg2">
-                                  <a:lumMod val="25000"/>
-                                </a:schemeClr>
-                              </a:solidFill>
-                              <a:latin typeface="Cambria Math" panose="02040503050406030204" pitchFamily="18" charset="0"/>
-                            </a:rPr>
-                            <m:t>𝑎</m:t>
-                          </m:r>
-                          <m:d>
-                            <m:dPr>
-                              <m:ctrlPr>
-                                <a:rPr lang="en-US" sz="1800" b="0" i="1" smtClean="0">
-                                  <a:solidFill>
-                                    <a:schemeClr val="bg2">
-                                      <a:lumMod val="25000"/>
-                                    </a:schemeClr>
-                                  </a:solidFill>
-                                  <a:latin typeface="Cambria Math" panose="02040503050406030204" pitchFamily="18" charset="0"/>
-                                </a:rPr>
-                              </m:ctrlPr>
-                            </m:dPr>
-                            <m:e>
-                              <m:r>
-                                <a:rPr lang="en-US" sz="1800" b="0" i="1" smtClean="0">
-                                  <a:solidFill>
-                                    <a:schemeClr val="bg2">
-                                      <a:lumMod val="25000"/>
-                                    </a:schemeClr>
-                                  </a:solidFill>
-                                  <a:latin typeface="Cambria Math" panose="02040503050406030204" pitchFamily="18" charset="0"/>
-                                </a:rPr>
-                                <m:t>𝑥</m:t>
-                              </m:r>
-                              <m:r>
-                                <a:rPr lang="en-US" sz="1800" b="0" i="1" smtClean="0">
-                                  <a:solidFill>
-                                    <a:schemeClr val="bg2">
-                                      <a:lumMod val="25000"/>
-                                    </a:schemeClr>
-                                  </a:solidFill>
-                                  <a:latin typeface="Cambria Math" panose="02040503050406030204" pitchFamily="18" charset="0"/>
-                                </a:rPr>
-                                <m:t>,</m:t>
-                              </m:r>
-                              <m:r>
-                                <a:rPr lang="en-US" sz="1800" b="0" i="1" smtClean="0">
-                                  <a:solidFill>
-                                    <a:schemeClr val="bg2">
-                                      <a:lumMod val="25000"/>
-                                    </a:schemeClr>
-                                  </a:solidFill>
-                                  <a:latin typeface="Cambria Math" panose="02040503050406030204" pitchFamily="18" charset="0"/>
-                                </a:rPr>
-                                <m:t>𝑠</m:t>
-                              </m:r>
-                            </m:e>
-                          </m:d>
-                        </m:e>
-                        <m:e>
-                          <m:r>
-                            <a:rPr lang="en-US" sz="1800" b="0" i="1" smtClean="0">
-                              <a:solidFill>
-                                <a:schemeClr val="bg2">
-                                  <a:lumMod val="25000"/>
-                                </a:schemeClr>
-                              </a:solidFill>
-                              <a:latin typeface="Cambria Math" panose="02040503050406030204" pitchFamily="18" charset="0"/>
-                            </a:rPr>
-                            <m:t>𝑥</m:t>
-                          </m:r>
-                          <m:r>
-                            <a:rPr lang="en-US" sz="1800" b="0" i="1" smtClean="0">
-                              <a:solidFill>
-                                <a:schemeClr val="bg2">
-                                  <a:lumMod val="25000"/>
-                                </a:schemeClr>
-                              </a:solidFill>
-                              <a:latin typeface="Cambria Math" panose="02040503050406030204" pitchFamily="18" charset="0"/>
-                            </a:rPr>
-                            <m:t>,</m:t>
-                          </m:r>
-                          <m:r>
-                            <a:rPr lang="en-US" sz="1800" b="0" i="1" smtClean="0">
-                              <a:solidFill>
-                                <a:schemeClr val="bg2">
-                                  <a:lumMod val="25000"/>
-                                </a:schemeClr>
-                              </a:solidFill>
-                              <a:latin typeface="Cambria Math" panose="02040503050406030204" pitchFamily="18" charset="0"/>
-                            </a:rPr>
-                            <m:t>𝑠</m:t>
-                          </m:r>
-                        </m:e>
-                      </m:d>
-                    </m:oMath>
-                  </m:oMathPara>
-                </a14:m>
-                <a:endParaRPr lang="en-US" sz="1800" b="0" dirty="0">
-                  <a:solidFill>
-                    <a:schemeClr val="bg2">
-                      <a:lumMod val="25000"/>
-                    </a:schemeClr>
-                  </a:solidFill>
-                  <a:latin typeface="Corbel" panose="020B0503020204020204" pitchFamily="34" charset="0"/>
-                </a:endParaRPr>
-              </a:p>
-              <a:p>
-                <a:pPr algn="l">
-                  <a:lnSpc>
-                    <a:spcPct val="100000"/>
-                  </a:lnSpc>
-                </a:pPr>
-                <a:r>
-                  <a:rPr lang="en-US" sz="1800" dirty="0">
-                    <a:solidFill>
-                      <a:schemeClr val="bg2">
-                        <a:lumMod val="25000"/>
-                      </a:schemeClr>
-                    </a:solidFill>
-                    <a:latin typeface="Corbel" panose="020B0503020204020204" pitchFamily="34" charset="0"/>
-                  </a:rPr>
-                  <a:t>Where </a:t>
-                </a:r>
-                <a14:m>
-                  <m:oMath xmlns:m="http://schemas.openxmlformats.org/officeDocument/2006/math">
-                    <m:r>
-                      <a:rPr lang="en-US" sz="1800" b="0" i="1" smtClean="0">
-                        <a:solidFill>
-                          <a:schemeClr val="bg2">
-                            <a:lumMod val="25000"/>
-                          </a:schemeClr>
-                        </a:solidFill>
-                        <a:latin typeface="Cambria Math" panose="02040503050406030204" pitchFamily="18" charset="0"/>
-                      </a:rPr>
-                      <m:t>𝐹</m:t>
-                    </m:r>
-                    <m:r>
-                      <a:rPr lang="en-US" sz="1800" b="0" i="1" smtClean="0">
-                        <a:solidFill>
-                          <a:schemeClr val="bg2">
-                            <a:lumMod val="25000"/>
-                          </a:schemeClr>
-                        </a:solidFill>
-                        <a:latin typeface="Cambria Math" panose="02040503050406030204" pitchFamily="18" charset="0"/>
-                      </a:rPr>
-                      <m:t>(</m:t>
-                    </m:r>
-                    <m:r>
-                      <a:rPr lang="en-US" sz="1800" b="0" i="1" smtClean="0">
-                        <a:solidFill>
-                          <a:schemeClr val="bg2">
-                            <a:lumMod val="25000"/>
-                          </a:schemeClr>
-                        </a:solidFill>
-                        <a:latin typeface="Cambria Math" panose="02040503050406030204" pitchFamily="18" charset="0"/>
-                      </a:rPr>
-                      <m:t>𝑎</m:t>
-                    </m:r>
-                    <m:r>
-                      <a:rPr lang="en-US" sz="1800" b="0" i="1" smtClean="0">
-                        <a:solidFill>
-                          <a:schemeClr val="bg2">
-                            <a:lumMod val="25000"/>
-                          </a:schemeClr>
-                        </a:solidFill>
-                        <a:latin typeface="Cambria Math" panose="02040503050406030204" pitchFamily="18" charset="0"/>
-                      </a:rPr>
-                      <m:t>|</m:t>
-                    </m:r>
-                    <m:r>
-                      <a:rPr lang="en-US" sz="1800" b="0" i="1" smtClean="0">
-                        <a:solidFill>
-                          <a:schemeClr val="bg2">
-                            <a:lumMod val="25000"/>
-                          </a:schemeClr>
-                        </a:solidFill>
-                        <a:latin typeface="Cambria Math" panose="02040503050406030204" pitchFamily="18" charset="0"/>
-                      </a:rPr>
-                      <m:t>𝑥</m:t>
-                    </m:r>
-                    <m:r>
-                      <a:rPr lang="en-US" sz="1800" b="0" i="1" smtClean="0">
-                        <a:solidFill>
-                          <a:schemeClr val="bg2">
-                            <a:lumMod val="25000"/>
-                          </a:schemeClr>
-                        </a:solidFill>
-                        <a:latin typeface="Cambria Math" panose="02040503050406030204" pitchFamily="18" charset="0"/>
-                      </a:rPr>
-                      <m:t>,</m:t>
-                    </m:r>
-                    <m:r>
-                      <a:rPr lang="en-US" sz="1800" b="0" i="1" smtClean="0">
-                        <a:solidFill>
-                          <a:schemeClr val="bg2">
-                            <a:lumMod val="25000"/>
-                          </a:schemeClr>
-                        </a:solidFill>
-                        <a:latin typeface="Cambria Math" panose="02040503050406030204" pitchFamily="18" charset="0"/>
-                      </a:rPr>
-                      <m:t>𝑠</m:t>
-                    </m:r>
-                    <m:r>
-                      <a:rPr lang="en-US" sz="1800" b="0" i="1" smtClean="0">
-                        <a:solidFill>
-                          <a:schemeClr val="bg2">
-                            <a:lumMod val="25000"/>
-                          </a:schemeClr>
-                        </a:solidFill>
-                        <a:latin typeface="Cambria Math" panose="02040503050406030204" pitchFamily="18" charset="0"/>
-                      </a:rPr>
-                      <m:t>)</m:t>
-                    </m:r>
-                  </m:oMath>
-                </a14:m>
-                <a:r>
-                  <a:rPr lang="en-US" sz="1800" dirty="0">
-                    <a:solidFill>
-                      <a:schemeClr val="bg2">
-                        <a:lumMod val="25000"/>
-                      </a:schemeClr>
-                    </a:solidFill>
-                    <a:latin typeface="Corbel" panose="020B0503020204020204" pitchFamily="34" charset="0"/>
-                  </a:rPr>
-                  <a:t> is the conditional distribution of the audit result </a:t>
-                </a:r>
-                <a:r>
-                  <a:rPr lang="en-US" sz="1800" i="1" dirty="0">
-                    <a:solidFill>
-                      <a:schemeClr val="bg2">
-                        <a:lumMod val="25000"/>
-                      </a:schemeClr>
-                    </a:solidFill>
-                    <a:latin typeface="Corbel" panose="020B0503020204020204" pitchFamily="34" charset="0"/>
-                  </a:rPr>
-                  <a:t>a</a:t>
-                </a:r>
-                <a:r>
-                  <a:rPr lang="en-US" sz="1800" dirty="0">
-                    <a:solidFill>
-                      <a:schemeClr val="bg2">
-                        <a:lumMod val="25000"/>
-                      </a:schemeClr>
-                    </a:solidFill>
-                    <a:latin typeface="Corbel" panose="020B0503020204020204" pitchFamily="34" charset="0"/>
-                  </a:rPr>
-                  <a:t>, given current income </a:t>
-                </a:r>
-                <a:r>
-                  <a:rPr lang="en-US" sz="1800" i="1" dirty="0">
-                    <a:solidFill>
-                      <a:schemeClr val="bg2">
-                        <a:lumMod val="25000"/>
-                      </a:schemeClr>
-                    </a:solidFill>
-                    <a:latin typeface="Corbel" panose="020B0503020204020204" pitchFamily="34" charset="0"/>
-                  </a:rPr>
-                  <a:t>x </a:t>
-                </a:r>
-                <a:r>
-                  <a:rPr lang="en-US" sz="1800" dirty="0">
-                    <a:solidFill>
-                      <a:schemeClr val="bg2">
-                        <a:lumMod val="25000"/>
-                      </a:schemeClr>
-                    </a:solidFill>
-                    <a:latin typeface="Corbel" panose="020B0503020204020204" pitchFamily="34" charset="0"/>
-                  </a:rPr>
-                  <a:t>and firm scale </a:t>
-                </a:r>
-                <a:r>
-                  <a:rPr lang="en-US" sz="1800" i="1" dirty="0">
-                    <a:solidFill>
-                      <a:schemeClr val="bg2">
-                        <a:lumMod val="25000"/>
-                      </a:schemeClr>
-                    </a:solidFill>
-                    <a:latin typeface="Corbel" panose="020B0503020204020204" pitchFamily="34" charset="0"/>
-                  </a:rPr>
-                  <a:t>s.</a:t>
-                </a:r>
-                <a:r>
-                  <a:rPr lang="en-US" sz="1800" dirty="0">
-                    <a:solidFill>
-                      <a:schemeClr val="bg2">
-                        <a:lumMod val="25000"/>
-                      </a:schemeClr>
-                    </a:solidFill>
-                    <a:latin typeface="Corbel" panose="020B0503020204020204" pitchFamily="34" charset="0"/>
-                  </a:rPr>
-                  <a:t> </a:t>
-                </a:r>
-              </a:p>
-            </p:txBody>
-          </p:sp>
-        </mc:Choice>
-        <mc:Fallback xmlns="">
-          <p:sp>
-            <p:nvSpPr>
-              <p:cNvPr id="6" name="Subtitle 2">
-                <a:extLst>
-                  <a:ext uri="{FF2B5EF4-FFF2-40B4-BE49-F238E27FC236}">
-                    <a16:creationId xmlns:a16="http://schemas.microsoft.com/office/drawing/2014/main" id="{EEF0D0AF-BA9D-BA4C-AB3F-F8D9E7955440}"/>
-                  </a:ext>
-                </a:extLst>
-              </p:cNvPr>
-              <p:cNvSpPr txBox="1">
-                <a:spLocks noRot="1" noChangeAspect="1" noMove="1" noResize="1" noEditPoints="1" noAdjustHandles="1" noChangeArrowheads="1" noChangeShapeType="1" noTextEdit="1"/>
-              </p:cNvSpPr>
-              <p:nvPr/>
-            </p:nvSpPr>
-            <p:spPr>
-              <a:xfrm>
-                <a:off x="1371600" y="2209124"/>
-                <a:ext cx="9656064" cy="4383699"/>
-              </a:xfrm>
-              <a:prstGeom prst="rect">
-                <a:avLst/>
-              </a:prstGeom>
-              <a:blipFill>
-                <a:blip r:embed="rId2"/>
-                <a:stretch>
-                  <a:fillRect l="-1452" t="-834" r="-505"/>
-                </a:stretch>
-              </a:blipFill>
-            </p:spPr>
-            <p:txBody>
-              <a:bodyPr/>
-              <a:lstStyle/>
-              <a:p>
-                <a:r>
-                  <a:rPr lang="en-US">
-                    <a:noFill/>
-                  </a:rPr>
-                  <a:t> </a:t>
-                </a:r>
-              </a:p>
-            </p:txBody>
-          </p:sp>
-        </mc:Fallback>
-      </mc:AlternateContent>
-      <p:sp>
-        <p:nvSpPr>
-          <p:cNvPr id="8" name="Rectangle 7">
-            <a:extLst>
-              <a:ext uri="{FF2B5EF4-FFF2-40B4-BE49-F238E27FC236}">
-                <a16:creationId xmlns:a16="http://schemas.microsoft.com/office/drawing/2014/main" id="{9A08752B-3956-1B49-A67C-A87B88B39B90}"/>
-              </a:ext>
-            </a:extLst>
-          </p:cNvPr>
-          <p:cNvSpPr/>
-          <p:nvPr/>
-        </p:nvSpPr>
-        <p:spPr>
-          <a:xfrm>
-            <a:off x="1371600" y="1923473"/>
-            <a:ext cx="365294" cy="45719"/>
-          </a:xfrm>
-          <a:prstGeom prst="rect">
-            <a:avLst/>
-          </a:prstGeom>
-          <a:blipFill dpi="0" rotWithShape="1">
-            <a:blip r:embed="rId3">
-              <a:extLst>
-                <a:ext uri="{28A0092B-C50C-407E-A947-70E740481C1C}">
-                  <a14:useLocalDpi xmlns:a14="http://schemas.microsoft.com/office/drawing/2010/main" val="0"/>
-                </a:ext>
-              </a:extLst>
-            </a:blip>
-            <a:srcRect/>
-            <a:stretch>
-              <a:fillRect/>
-            </a:stretch>
-          </a:blipFill>
-          <a:ln>
-            <a:noFill/>
-          </a:ln>
-        </p:spPr>
-        <p:style>
-          <a:lnRef idx="2">
-            <a:schemeClr val="accent1">
-              <a:shade val="50000"/>
-            </a:schemeClr>
-          </a:lnRef>
-          <a:fillRef idx="1">
-            <a:schemeClr val="accent1"/>
-          </a:fillRef>
-          <a:effectRef idx="0">
-            <a:schemeClr val="accent1"/>
-          </a:effectRef>
-          <a:fontRef idx="minor">
-            <a:schemeClr val="lt1"/>
-          </a:fontRef>
-        </p:style>
-        <p:txBody>
-          <a:bodyPr rtlCol="0" anchor="ctr"/>
-          <a:lstStyle/>
-          <a:p>
-            <a:pPr algn="ctr"/>
-            <a:endParaRPr lang="en-US" dirty="0">
-              <a:noFill/>
-            </a:endParaRPr>
-          </a:p>
-        </p:txBody>
-      </p:sp>
-      <p:sp>
-        <p:nvSpPr>
-          <p:cNvPr id="7" name="Rectangle 6">
-            <a:extLst>
-              <a:ext uri="{FF2B5EF4-FFF2-40B4-BE49-F238E27FC236}">
-                <a16:creationId xmlns:a16="http://schemas.microsoft.com/office/drawing/2014/main" id="{978ABF79-F3EC-0246-9BED-3803B4F6241E}"/>
-              </a:ext>
-            </a:extLst>
-          </p:cNvPr>
-          <p:cNvSpPr/>
-          <p:nvPr/>
-        </p:nvSpPr>
-        <p:spPr>
-          <a:xfrm>
-            <a:off x="0" y="6766560"/>
-            <a:ext cx="12192000" cy="91440"/>
-          </a:xfrm>
-          <a:prstGeom prst="rect">
-            <a:avLst/>
-          </a:prstGeom>
-          <a:blipFill dpi="0" rotWithShape="1">
-            <a:blip r:embed="rId3">
-              <a:extLst>
-                <a:ext uri="{28A0092B-C50C-407E-A947-70E740481C1C}">
-                  <a14:useLocalDpi xmlns:a14="http://schemas.microsoft.com/office/drawing/2010/main" val="0"/>
-                </a:ext>
-              </a:extLst>
-            </a:blip>
-            <a:srcRect/>
-            <a:stretch>
-              <a:fillRect/>
-            </a:stretch>
-          </a:blipFill>
-          <a:ln>
-            <a:noFill/>
-          </a:ln>
-        </p:spPr>
-        <p:style>
-          <a:lnRef idx="2">
-            <a:schemeClr val="accent1">
-              <a:shade val="50000"/>
-            </a:schemeClr>
-          </a:lnRef>
-          <a:fillRef idx="1">
-            <a:schemeClr val="accent1"/>
-          </a:fillRef>
-          <a:effectRef idx="0">
-            <a:schemeClr val="accent1"/>
-          </a:effectRef>
-          <a:fontRef idx="minor">
-            <a:schemeClr val="lt1"/>
-          </a:fontRef>
-        </p:style>
-        <p:txBody>
-          <a:bodyPr rtlCol="0" anchor="ctr"/>
-          <a:lstStyle/>
-          <a:p>
-            <a:pPr algn="ctr"/>
-            <a:r>
-              <a:rPr lang="en-US" dirty="0">
-                <a:noFill/>
-              </a:rPr>
-              <a:t>          </a:t>
-            </a:r>
-          </a:p>
-        </p:txBody>
-      </p:sp>
-      <p:sp>
-        <p:nvSpPr>
-          <p:cNvPr id="11" name="Subtitle 2">
-            <a:extLst>
-              <a:ext uri="{FF2B5EF4-FFF2-40B4-BE49-F238E27FC236}">
-                <a16:creationId xmlns:a16="http://schemas.microsoft.com/office/drawing/2014/main" id="{540D1D29-5422-3C45-AE18-D2704579EA3C}"/>
-              </a:ext>
-            </a:extLst>
-          </p:cNvPr>
-          <p:cNvSpPr txBox="1">
-            <a:spLocks/>
-          </p:cNvSpPr>
-          <p:nvPr/>
-        </p:nvSpPr>
-        <p:spPr>
-          <a:xfrm>
-            <a:off x="1371599" y="566928"/>
-            <a:ext cx="3231397" cy="347472"/>
-          </a:xfrm>
-          <a:prstGeom prst="rect">
-            <a:avLst/>
-          </a:prstGeom>
-        </p:spPr>
-        <p:txBody>
-          <a:bodyPr vert="horz" lIns="0" tIns="45720" rIns="91440" bIns="45720" rtlCol="0">
-            <a:normAutofit/>
-          </a:bodyPr>
-          <a:lstStyle>
-            <a:lvl1pPr marL="0" indent="0" algn="ctr" defTabSz="914400" rtl="0" eaLnBrk="1" latinLnBrk="0" hangingPunct="1">
-              <a:lnSpc>
-                <a:spcPct val="90000"/>
-              </a:lnSpc>
-              <a:spcBef>
-                <a:spcPts val="1000"/>
-              </a:spcBef>
-              <a:buFont typeface="Arial" panose="020B0604020202020204" pitchFamily="34" charset="0"/>
-              <a:buNone/>
-              <a:defRPr sz="2400" kern="1200">
-                <a:solidFill>
-                  <a:schemeClr val="tx1"/>
-                </a:solidFill>
-                <a:latin typeface="+mn-lt"/>
-                <a:ea typeface="+mn-ea"/>
-                <a:cs typeface="+mn-cs"/>
-              </a:defRPr>
-            </a:lvl1pPr>
-            <a:lvl2pPr marL="457200" indent="0" algn="ctr" defTabSz="914400" rtl="0" eaLnBrk="1" latinLnBrk="0" hangingPunct="1">
-              <a:lnSpc>
-                <a:spcPct val="90000"/>
-              </a:lnSpc>
-              <a:spcBef>
-                <a:spcPts val="500"/>
-              </a:spcBef>
-              <a:buFont typeface="Arial" panose="020B0604020202020204" pitchFamily="34" charset="0"/>
-              <a:buNone/>
-              <a:defRPr sz="2000" kern="1200">
-                <a:solidFill>
-                  <a:schemeClr val="tx1"/>
-                </a:solidFill>
-                <a:latin typeface="+mn-lt"/>
-                <a:ea typeface="+mn-ea"/>
-                <a:cs typeface="+mn-cs"/>
-              </a:defRPr>
-            </a:lvl2pPr>
-            <a:lvl3pPr marL="914400" indent="0" algn="ctr" defTabSz="914400" rtl="0" eaLnBrk="1" latinLnBrk="0" hangingPunct="1">
-              <a:lnSpc>
-                <a:spcPct val="90000"/>
-              </a:lnSpc>
-              <a:spcBef>
-                <a:spcPts val="500"/>
-              </a:spcBef>
-              <a:buFont typeface="Arial" panose="020B0604020202020204" pitchFamily="34" charset="0"/>
-              <a:buNone/>
-              <a:defRPr sz="1800" kern="1200">
-                <a:solidFill>
-                  <a:schemeClr val="tx1"/>
-                </a:solidFill>
-                <a:latin typeface="+mn-lt"/>
-                <a:ea typeface="+mn-ea"/>
-                <a:cs typeface="+mn-cs"/>
-              </a:defRPr>
-            </a:lvl3pPr>
-            <a:lvl4pPr marL="1371600" indent="0" algn="ctr" defTabSz="914400" rtl="0" eaLnBrk="1" latinLnBrk="0" hangingPunct="1">
-              <a:lnSpc>
-                <a:spcPct val="90000"/>
-              </a:lnSpc>
-              <a:spcBef>
-                <a:spcPts val="500"/>
-              </a:spcBef>
-              <a:buFont typeface="Arial" panose="020B0604020202020204" pitchFamily="34" charset="0"/>
-              <a:buNone/>
-              <a:defRPr sz="1600" kern="1200">
-                <a:solidFill>
-                  <a:schemeClr val="tx1"/>
-                </a:solidFill>
-                <a:latin typeface="+mn-lt"/>
-                <a:ea typeface="+mn-ea"/>
-                <a:cs typeface="+mn-cs"/>
-              </a:defRPr>
-            </a:lvl4pPr>
-            <a:lvl5pPr marL="1828800" indent="0" algn="ctr" defTabSz="914400" rtl="0" eaLnBrk="1" latinLnBrk="0" hangingPunct="1">
-              <a:lnSpc>
-                <a:spcPct val="90000"/>
-              </a:lnSpc>
-              <a:spcBef>
-                <a:spcPts val="500"/>
-              </a:spcBef>
-              <a:buFont typeface="Arial" panose="020B0604020202020204" pitchFamily="34" charset="0"/>
-              <a:buNone/>
-              <a:defRPr sz="1600" kern="1200">
-                <a:solidFill>
-                  <a:schemeClr val="tx1"/>
-                </a:solidFill>
-                <a:latin typeface="+mn-lt"/>
-                <a:ea typeface="+mn-ea"/>
-                <a:cs typeface="+mn-cs"/>
-              </a:defRPr>
-            </a:lvl5pPr>
-            <a:lvl6pPr marL="2286000" indent="0" algn="ctr" defTabSz="914400" rtl="0" eaLnBrk="1" latinLnBrk="0" hangingPunct="1">
-              <a:lnSpc>
-                <a:spcPct val="90000"/>
-              </a:lnSpc>
-              <a:spcBef>
-                <a:spcPts val="500"/>
-              </a:spcBef>
-              <a:buFont typeface="Arial" panose="020B0604020202020204" pitchFamily="34" charset="0"/>
-              <a:buNone/>
-              <a:defRPr sz="1600" kern="1200">
-                <a:solidFill>
-                  <a:schemeClr val="tx1"/>
-                </a:solidFill>
-                <a:latin typeface="+mn-lt"/>
-                <a:ea typeface="+mn-ea"/>
-                <a:cs typeface="+mn-cs"/>
-              </a:defRPr>
-            </a:lvl6pPr>
-            <a:lvl7pPr marL="2743200" indent="0" algn="ctr" defTabSz="914400" rtl="0" eaLnBrk="1" latinLnBrk="0" hangingPunct="1">
-              <a:lnSpc>
-                <a:spcPct val="90000"/>
-              </a:lnSpc>
-              <a:spcBef>
-                <a:spcPts val="500"/>
-              </a:spcBef>
-              <a:buFont typeface="Arial" panose="020B0604020202020204" pitchFamily="34" charset="0"/>
-              <a:buNone/>
-              <a:defRPr sz="1600" kern="1200">
-                <a:solidFill>
-                  <a:schemeClr val="tx1"/>
-                </a:solidFill>
-                <a:latin typeface="+mn-lt"/>
-                <a:ea typeface="+mn-ea"/>
-                <a:cs typeface="+mn-cs"/>
-              </a:defRPr>
-            </a:lvl7pPr>
-            <a:lvl8pPr marL="3200400" indent="0" algn="ctr" defTabSz="914400" rtl="0" eaLnBrk="1" latinLnBrk="0" hangingPunct="1">
-              <a:lnSpc>
-                <a:spcPct val="90000"/>
-              </a:lnSpc>
-              <a:spcBef>
-                <a:spcPts val="500"/>
-              </a:spcBef>
-              <a:buFont typeface="Arial" panose="020B0604020202020204" pitchFamily="34" charset="0"/>
-              <a:buNone/>
-              <a:defRPr sz="1600" kern="1200">
-                <a:solidFill>
-                  <a:schemeClr val="tx1"/>
-                </a:solidFill>
-                <a:latin typeface="+mn-lt"/>
-                <a:ea typeface="+mn-ea"/>
-                <a:cs typeface="+mn-cs"/>
-              </a:defRPr>
-            </a:lvl8pPr>
-            <a:lvl9pPr marL="3657600" indent="0" algn="ctr" defTabSz="914400" rtl="0" eaLnBrk="1" latinLnBrk="0" hangingPunct="1">
-              <a:lnSpc>
-                <a:spcPct val="90000"/>
-              </a:lnSpc>
-              <a:spcBef>
-                <a:spcPts val="500"/>
-              </a:spcBef>
-              <a:buFont typeface="Arial" panose="020B0604020202020204" pitchFamily="34" charset="0"/>
-              <a:buNone/>
-              <a:defRPr sz="1600" kern="1200">
-                <a:solidFill>
-                  <a:schemeClr val="tx1"/>
-                </a:solidFill>
-                <a:latin typeface="+mn-lt"/>
-                <a:ea typeface="+mn-ea"/>
-                <a:cs typeface="+mn-cs"/>
-              </a:defRPr>
-            </a:lvl9pPr>
-          </a:lstStyle>
-          <a:p>
-            <a:pPr algn="l"/>
-            <a:r>
-              <a:rPr lang="en-US" sz="1800" dirty="0">
-                <a:solidFill>
-                  <a:schemeClr val="tx1">
-                    <a:lumMod val="50000"/>
-                    <a:lumOff val="50000"/>
-                  </a:schemeClr>
-                </a:solidFill>
-                <a:latin typeface="Corbel" panose="020B0503020204020204" pitchFamily="34" charset="0"/>
-              </a:rPr>
-              <a:t>Analysis of the Static Model</a:t>
-            </a:r>
-          </a:p>
-        </p:txBody>
-      </p:sp>
-      <p:sp>
-        <p:nvSpPr>
-          <p:cNvPr id="13" name="TextBox 12">
-            <a:extLst>
-              <a:ext uri="{FF2B5EF4-FFF2-40B4-BE49-F238E27FC236}">
-                <a16:creationId xmlns:a16="http://schemas.microsoft.com/office/drawing/2014/main" id="{63FF6131-3717-7C46-978F-6EE11238A91F}"/>
-              </a:ext>
-            </a:extLst>
-          </p:cNvPr>
-          <p:cNvSpPr txBox="1"/>
-          <p:nvPr/>
-        </p:nvSpPr>
-        <p:spPr>
-          <a:xfrm>
-            <a:off x="11027664" y="217444"/>
-            <a:ext cx="987552" cy="523220"/>
-          </a:xfrm>
-          <a:prstGeom prst="rect">
-            <a:avLst/>
-          </a:prstGeom>
-          <a:noFill/>
-          <a:ln>
-            <a:noFill/>
-          </a:ln>
-        </p:spPr>
-        <p:txBody>
-          <a:bodyPr wrap="square" rtlCol="0">
-            <a:spAutoFit/>
-          </a:bodyPr>
-          <a:lstStyle/>
-          <a:p>
-            <a:r>
-              <a:rPr lang="en-US" sz="2800" b="1" dirty="0">
-                <a:solidFill>
-                  <a:schemeClr val="bg2">
-                    <a:lumMod val="90000"/>
-                  </a:schemeClr>
-                </a:solidFill>
-                <a:latin typeface="Corbel" panose="020B0503020204020204" pitchFamily="34" charset="0"/>
-              </a:rPr>
-              <a:t>WSU</a:t>
-            </a:r>
-          </a:p>
-        </p:txBody>
-      </p:sp>
-    </p:spTree>
-    <p:extLst>
-      <p:ext uri="{BB962C8B-B14F-4D97-AF65-F5344CB8AC3E}">
-        <p14:creationId xmlns:p14="http://schemas.microsoft.com/office/powerpoint/2010/main" val="1470026497"/>
-      </p:ext>
-    </p:extLst>
-  </p:cSld>
-  <p:clrMapOvr>
-    <a:masterClrMapping/>
-  </p:clrMapOvr>
-</p:sld>
-</file>
-
-<file path=ppt/slides/slide11.xml><?xml version="1.0" encoding="utf-8"?>
-<p:sld xmlns:a="http://schemas.openxmlformats.org/drawingml/2006/main" xmlns:r="http://schemas.openxmlformats.org/officeDocument/2006/relationships" xmlns:p="http://schemas.openxmlformats.org/presentationml/2006/main">
-  <p:cSld>
-    <p:spTree>
-      <p:nvGrpSpPr>
-        <p:cNvPr id="1" name=""/>
-        <p:cNvGrpSpPr/>
-        <p:nvPr/>
-      </p:nvGrpSpPr>
-      <p:grpSpPr>
-        <a:xfrm>
-          <a:off x="0" y="0"/>
-          <a:ext cx="0" cy="0"/>
-          <a:chOff x="0" y="0"/>
-          <a:chExt cx="0" cy="0"/>
-        </a:xfrm>
-      </p:grpSpPr>
-      <p:sp>
-        <p:nvSpPr>
-          <p:cNvPr id="2" name="Title 1">
-            <a:extLst>
-              <a:ext uri="{FF2B5EF4-FFF2-40B4-BE49-F238E27FC236}">
-                <a16:creationId xmlns:a16="http://schemas.microsoft.com/office/drawing/2014/main" id="{900AD881-4292-3942-BA86-91F62FAFA2BA}"/>
-              </a:ext>
-            </a:extLst>
-          </p:cNvPr>
-          <p:cNvSpPr>
-            <a:spLocks noGrp="1"/>
-          </p:cNvSpPr>
-          <p:nvPr>
-            <p:ph type="ctrTitle"/>
-          </p:nvPr>
-        </p:nvSpPr>
-        <p:spPr>
-          <a:xfrm>
-            <a:off x="1371600" y="914400"/>
-            <a:ext cx="7077456" cy="914400"/>
-          </a:xfrm>
-        </p:spPr>
-        <p:txBody>
-          <a:bodyPr lIns="0" rIns="0">
-            <a:noAutofit/>
-          </a:bodyPr>
-          <a:lstStyle/>
-          <a:p>
-            <a:pPr algn="l"/>
-            <a:r>
-              <a:rPr lang="en-US" b="1" spc="-150" dirty="0">
-                <a:solidFill>
-                  <a:schemeClr val="tx1">
-                    <a:lumMod val="75000"/>
-                    <a:lumOff val="25000"/>
-                  </a:schemeClr>
-                </a:solidFill>
-                <a:latin typeface="Corbel" panose="020B0503020204020204" pitchFamily="34" charset="0"/>
-                <a:cs typeface="Calibri" panose="020F0502020204030204" pitchFamily="34" charset="0"/>
-              </a:rPr>
-              <a:t>Comparative Statics</a:t>
-            </a:r>
-          </a:p>
-        </p:txBody>
-      </p:sp>
-      <mc:AlternateContent xmlns:mc="http://schemas.openxmlformats.org/markup-compatibility/2006" xmlns:a14="http://schemas.microsoft.com/office/drawing/2010/main">
-        <mc:Choice Requires="a14">
-          <p:sp>
-            <p:nvSpPr>
-              <p:cNvPr id="6" name="Subtitle 2">
-                <a:extLst>
-                  <a:ext uri="{FF2B5EF4-FFF2-40B4-BE49-F238E27FC236}">
-                    <a16:creationId xmlns:a16="http://schemas.microsoft.com/office/drawing/2014/main" id="{EEF0D0AF-BA9D-BA4C-AB3F-F8D9E7955440}"/>
-                  </a:ext>
-                </a:extLst>
-              </p:cNvPr>
-              <p:cNvSpPr txBox="1">
-                <a:spLocks/>
-              </p:cNvSpPr>
-              <p:nvPr/>
-            </p:nvSpPr>
-            <p:spPr>
-              <a:xfrm>
                 <a:off x="1371600" y="2668514"/>
                 <a:ext cx="9656064" cy="3622558"/>
               </a:xfrm>
@@ -9359,7 +7625,7 @@
 </p:sld>
 </file>
 
-<file path=ppt/slides/slide12.xml><?xml version="1.0" encoding="utf-8"?>
+<file path=ppt/slides/slide11.xml><?xml version="1.0" encoding="utf-8"?>
 <p:sld xmlns:a="http://schemas.openxmlformats.org/drawingml/2006/main" xmlns:r="http://schemas.openxmlformats.org/officeDocument/2006/relationships" xmlns:p="http://schemas.openxmlformats.org/presentationml/2006/main">
   <p:cSld>
     <p:spTree>
@@ -10221,7 +8487,7 @@
 </p:sld>
 </file>
 
-<file path=ppt/slides/slide13.xml><?xml version="1.0" encoding="utf-8"?>
+<file path=ppt/slides/slide12.xml><?xml version="1.0" encoding="utf-8"?>
 <p:sld xmlns:a="http://schemas.openxmlformats.org/drawingml/2006/main" xmlns:r="http://schemas.openxmlformats.org/officeDocument/2006/relationships" xmlns:p="http://schemas.openxmlformats.org/presentationml/2006/main">
   <p:cSld>
     <p:spTree>
@@ -11070,7 +9336,7 @@
 </p:sld>
 </file>
 
-<file path=ppt/slides/slide14.xml><?xml version="1.0" encoding="utf-8"?>
+<file path=ppt/slides/slide13.xml><?xml version="1.0" encoding="utf-8"?>
 <p:sld xmlns:a="http://schemas.openxmlformats.org/drawingml/2006/main" xmlns:r="http://schemas.openxmlformats.org/officeDocument/2006/relationships" xmlns:p="http://schemas.openxmlformats.org/presentationml/2006/main">
   <p:cSld>
     <p:spTree>
@@ -12172,7 +10438,7 @@
 </p:sld>
 </file>
 
-<file path=ppt/slides/slide15.xml><?xml version="1.0" encoding="utf-8"?>
+<file path=ppt/slides/slide14.xml><?xml version="1.0" encoding="utf-8"?>
 <p:sld xmlns:a="http://schemas.openxmlformats.org/drawingml/2006/main" xmlns:r="http://schemas.openxmlformats.org/officeDocument/2006/relationships" xmlns:p="http://schemas.openxmlformats.org/presentationml/2006/main">
   <p:cSld>
     <p:spTree>
@@ -12701,7 +10967,7 @@
 </p:sld>
 </file>
 
-<file path=ppt/slides/slide16.xml><?xml version="1.0" encoding="utf-8"?>
+<file path=ppt/slides/slide15.xml><?xml version="1.0" encoding="utf-8"?>
 <p:sld xmlns:a="http://schemas.openxmlformats.org/drawingml/2006/main" xmlns:r="http://schemas.openxmlformats.org/officeDocument/2006/relationships" xmlns:p="http://schemas.openxmlformats.org/presentationml/2006/main">
   <p:cSld>
     <p:spTree>
@@ -14916,7 +13182,7 @@
 </p:sld>
 </file>
 
-<file path=ppt/slides/slide17.xml><?xml version="1.0" encoding="utf-8"?>
+<file path=ppt/slides/slide16.xml><?xml version="1.0" encoding="utf-8"?>
 <p:sld xmlns:a="http://schemas.openxmlformats.org/drawingml/2006/main" xmlns:r="http://schemas.openxmlformats.org/officeDocument/2006/relationships" xmlns:p="http://schemas.openxmlformats.org/presentationml/2006/main">
   <p:cSld>
     <p:spTree>
@@ -15896,7 +14162,7 @@
 </p:sld>
 </file>
 
-<file path=ppt/slides/slide18.xml><?xml version="1.0" encoding="utf-8"?>
+<file path=ppt/slides/slide17.xml><?xml version="1.0" encoding="utf-8"?>
 <p:sld xmlns:a="http://schemas.openxmlformats.org/drawingml/2006/main" xmlns:r="http://schemas.openxmlformats.org/officeDocument/2006/relationships" xmlns:p="http://schemas.openxmlformats.org/presentationml/2006/main">
   <p:cSld>
     <p:spTree>
@@ -18463,1052 +16729,6 @@
 </file>
 
 <file path=ppt/slides/slide4.xml><?xml version="1.0" encoding="utf-8"?>
-<p:sld xmlns:a="http://schemas.openxmlformats.org/drawingml/2006/main" xmlns:r="http://schemas.openxmlformats.org/officeDocument/2006/relationships" xmlns:p="http://schemas.openxmlformats.org/presentationml/2006/main">
-  <p:cSld>
-    <p:spTree>
-      <p:nvGrpSpPr>
-        <p:cNvPr id="1" name=""/>
-        <p:cNvGrpSpPr/>
-        <p:nvPr/>
-      </p:nvGrpSpPr>
-      <p:grpSpPr>
-        <a:xfrm>
-          <a:off x="0" y="0"/>
-          <a:ext cx="0" cy="0"/>
-          <a:chOff x="0" y="0"/>
-          <a:chExt cx="0" cy="0"/>
-        </a:xfrm>
-      </p:grpSpPr>
-      <p:sp>
-        <p:nvSpPr>
-          <p:cNvPr id="2" name="Title 1">
-            <a:extLst>
-              <a:ext uri="{FF2B5EF4-FFF2-40B4-BE49-F238E27FC236}">
-                <a16:creationId xmlns:a16="http://schemas.microsoft.com/office/drawing/2014/main" id="{900AD881-4292-3942-BA86-91F62FAFA2BA}"/>
-              </a:ext>
-            </a:extLst>
-          </p:cNvPr>
-          <p:cNvSpPr>
-            <a:spLocks noGrp="1"/>
-          </p:cNvSpPr>
-          <p:nvPr>
-            <p:ph type="ctrTitle"/>
-          </p:nvPr>
-        </p:nvSpPr>
-        <p:spPr>
-          <a:xfrm>
-            <a:off x="1371600" y="914400"/>
-            <a:ext cx="8557404" cy="914400"/>
-          </a:xfrm>
-        </p:spPr>
-        <p:txBody>
-          <a:bodyPr lIns="0" rIns="0">
-            <a:noAutofit/>
-          </a:bodyPr>
-          <a:lstStyle/>
-          <a:p>
-            <a:pPr algn="l"/>
-            <a:r>
-              <a:rPr lang="en-US" b="1" spc="-150" dirty="0">
-                <a:solidFill>
-                  <a:schemeClr val="tx1">
-                    <a:lumMod val="75000"/>
-                    <a:lumOff val="25000"/>
-                  </a:schemeClr>
-                </a:solidFill>
-                <a:latin typeface="Corbel" panose="020B0503020204020204" pitchFamily="34" charset="0"/>
-                <a:cs typeface="Calibri" panose="020F0502020204030204" pitchFamily="34" charset="0"/>
-              </a:rPr>
-              <a:t>Results for the Static Model</a:t>
-            </a:r>
-          </a:p>
-        </p:txBody>
-      </p:sp>
-      <p:sp>
-        <p:nvSpPr>
-          <p:cNvPr id="6" name="Subtitle 2">
-            <a:extLst>
-              <a:ext uri="{FF2B5EF4-FFF2-40B4-BE49-F238E27FC236}">
-                <a16:creationId xmlns:a16="http://schemas.microsoft.com/office/drawing/2014/main" id="{EEF0D0AF-BA9D-BA4C-AB3F-F8D9E7955440}"/>
-              </a:ext>
-            </a:extLst>
-          </p:cNvPr>
-          <p:cNvSpPr txBox="1">
-            <a:spLocks/>
-          </p:cNvSpPr>
-          <p:nvPr/>
-        </p:nvSpPr>
-        <p:spPr>
-          <a:xfrm>
-            <a:off x="1371600" y="2535781"/>
-            <a:ext cx="9656064" cy="3924310"/>
-          </a:xfrm>
-          <a:prstGeom prst="rect">
-            <a:avLst/>
-          </a:prstGeom>
-        </p:spPr>
-        <p:txBody>
-          <a:bodyPr vert="horz" lIns="0" tIns="45720" rIns="91440" bIns="45720" numCol="1" spcCol="365760" rtlCol="0">
-            <a:noAutofit/>
-          </a:bodyPr>
-          <a:lstStyle>
-            <a:lvl1pPr marL="0" indent="0" algn="ctr" defTabSz="914400" rtl="0" eaLnBrk="1" latinLnBrk="0" hangingPunct="1">
-              <a:lnSpc>
-                <a:spcPct val="90000"/>
-              </a:lnSpc>
-              <a:spcBef>
-                <a:spcPts val="1000"/>
-              </a:spcBef>
-              <a:buFont typeface="Arial" panose="020B0604020202020204" pitchFamily="34" charset="0"/>
-              <a:buNone/>
-              <a:defRPr sz="2400" kern="1200">
-                <a:solidFill>
-                  <a:schemeClr val="tx1"/>
-                </a:solidFill>
-                <a:latin typeface="+mn-lt"/>
-                <a:ea typeface="+mn-ea"/>
-                <a:cs typeface="+mn-cs"/>
-              </a:defRPr>
-            </a:lvl1pPr>
-            <a:lvl2pPr marL="457200" indent="0" algn="ctr" defTabSz="914400" rtl="0" eaLnBrk="1" latinLnBrk="0" hangingPunct="1">
-              <a:lnSpc>
-                <a:spcPct val="90000"/>
-              </a:lnSpc>
-              <a:spcBef>
-                <a:spcPts val="500"/>
-              </a:spcBef>
-              <a:buFont typeface="Arial" panose="020B0604020202020204" pitchFamily="34" charset="0"/>
-              <a:buNone/>
-              <a:defRPr sz="2000" kern="1200">
-                <a:solidFill>
-                  <a:schemeClr val="tx1"/>
-                </a:solidFill>
-                <a:latin typeface="+mn-lt"/>
-                <a:ea typeface="+mn-ea"/>
-                <a:cs typeface="+mn-cs"/>
-              </a:defRPr>
-            </a:lvl2pPr>
-            <a:lvl3pPr marL="914400" indent="0" algn="ctr" defTabSz="914400" rtl="0" eaLnBrk="1" latinLnBrk="0" hangingPunct="1">
-              <a:lnSpc>
-                <a:spcPct val="90000"/>
-              </a:lnSpc>
-              <a:spcBef>
-                <a:spcPts val="500"/>
-              </a:spcBef>
-              <a:buFont typeface="Arial" panose="020B0604020202020204" pitchFamily="34" charset="0"/>
-              <a:buNone/>
-              <a:defRPr sz="1800" kern="1200">
-                <a:solidFill>
-                  <a:schemeClr val="tx1"/>
-                </a:solidFill>
-                <a:latin typeface="+mn-lt"/>
-                <a:ea typeface="+mn-ea"/>
-                <a:cs typeface="+mn-cs"/>
-              </a:defRPr>
-            </a:lvl3pPr>
-            <a:lvl4pPr marL="1371600" indent="0" algn="ctr" defTabSz="914400" rtl="0" eaLnBrk="1" latinLnBrk="0" hangingPunct="1">
-              <a:lnSpc>
-                <a:spcPct val="90000"/>
-              </a:lnSpc>
-              <a:spcBef>
-                <a:spcPts val="500"/>
-              </a:spcBef>
-              <a:buFont typeface="Arial" panose="020B0604020202020204" pitchFamily="34" charset="0"/>
-              <a:buNone/>
-              <a:defRPr sz="1600" kern="1200">
-                <a:solidFill>
-                  <a:schemeClr val="tx1"/>
-                </a:solidFill>
-                <a:latin typeface="+mn-lt"/>
-                <a:ea typeface="+mn-ea"/>
-                <a:cs typeface="+mn-cs"/>
-              </a:defRPr>
-            </a:lvl4pPr>
-            <a:lvl5pPr marL="1828800" indent="0" algn="ctr" defTabSz="914400" rtl="0" eaLnBrk="1" latinLnBrk="0" hangingPunct="1">
-              <a:lnSpc>
-                <a:spcPct val="90000"/>
-              </a:lnSpc>
-              <a:spcBef>
-                <a:spcPts val="500"/>
-              </a:spcBef>
-              <a:buFont typeface="Arial" panose="020B0604020202020204" pitchFamily="34" charset="0"/>
-              <a:buNone/>
-              <a:defRPr sz="1600" kern="1200">
-                <a:solidFill>
-                  <a:schemeClr val="tx1"/>
-                </a:solidFill>
-                <a:latin typeface="+mn-lt"/>
-                <a:ea typeface="+mn-ea"/>
-                <a:cs typeface="+mn-cs"/>
-              </a:defRPr>
-            </a:lvl5pPr>
-            <a:lvl6pPr marL="2286000" indent="0" algn="ctr" defTabSz="914400" rtl="0" eaLnBrk="1" latinLnBrk="0" hangingPunct="1">
-              <a:lnSpc>
-                <a:spcPct val="90000"/>
-              </a:lnSpc>
-              <a:spcBef>
-                <a:spcPts val="500"/>
-              </a:spcBef>
-              <a:buFont typeface="Arial" panose="020B0604020202020204" pitchFamily="34" charset="0"/>
-              <a:buNone/>
-              <a:defRPr sz="1600" kern="1200">
-                <a:solidFill>
-                  <a:schemeClr val="tx1"/>
-                </a:solidFill>
-                <a:latin typeface="+mn-lt"/>
-                <a:ea typeface="+mn-ea"/>
-                <a:cs typeface="+mn-cs"/>
-              </a:defRPr>
-            </a:lvl6pPr>
-            <a:lvl7pPr marL="2743200" indent="0" algn="ctr" defTabSz="914400" rtl="0" eaLnBrk="1" latinLnBrk="0" hangingPunct="1">
-              <a:lnSpc>
-                <a:spcPct val="90000"/>
-              </a:lnSpc>
-              <a:spcBef>
-                <a:spcPts val="500"/>
-              </a:spcBef>
-              <a:buFont typeface="Arial" panose="020B0604020202020204" pitchFamily="34" charset="0"/>
-              <a:buNone/>
-              <a:defRPr sz="1600" kern="1200">
-                <a:solidFill>
-                  <a:schemeClr val="tx1"/>
-                </a:solidFill>
-                <a:latin typeface="+mn-lt"/>
-                <a:ea typeface="+mn-ea"/>
-                <a:cs typeface="+mn-cs"/>
-              </a:defRPr>
-            </a:lvl7pPr>
-            <a:lvl8pPr marL="3200400" indent="0" algn="ctr" defTabSz="914400" rtl="0" eaLnBrk="1" latinLnBrk="0" hangingPunct="1">
-              <a:lnSpc>
-                <a:spcPct val="90000"/>
-              </a:lnSpc>
-              <a:spcBef>
-                <a:spcPts val="500"/>
-              </a:spcBef>
-              <a:buFont typeface="Arial" panose="020B0604020202020204" pitchFamily="34" charset="0"/>
-              <a:buNone/>
-              <a:defRPr sz="1600" kern="1200">
-                <a:solidFill>
-                  <a:schemeClr val="tx1"/>
-                </a:solidFill>
-                <a:latin typeface="+mn-lt"/>
-                <a:ea typeface="+mn-ea"/>
-                <a:cs typeface="+mn-cs"/>
-              </a:defRPr>
-            </a:lvl8pPr>
-            <a:lvl9pPr marL="3657600" indent="0" algn="ctr" defTabSz="914400" rtl="0" eaLnBrk="1" latinLnBrk="0" hangingPunct="1">
-              <a:lnSpc>
-                <a:spcPct val="90000"/>
-              </a:lnSpc>
-              <a:spcBef>
-                <a:spcPts val="500"/>
-              </a:spcBef>
-              <a:buFont typeface="Arial" panose="020B0604020202020204" pitchFamily="34" charset="0"/>
-              <a:buNone/>
-              <a:defRPr sz="1600" kern="1200">
-                <a:solidFill>
-                  <a:schemeClr val="tx1"/>
-                </a:solidFill>
-                <a:latin typeface="+mn-lt"/>
-                <a:ea typeface="+mn-ea"/>
-                <a:cs typeface="+mn-cs"/>
-              </a:defRPr>
-            </a:lvl9pPr>
-          </a:lstStyle>
-          <a:p>
-            <a:pPr marL="285750" indent="-285750" algn="l">
-              <a:lnSpc>
-                <a:spcPct val="100000"/>
-              </a:lnSpc>
-              <a:buFont typeface="Arial" panose="020B0604020202020204" pitchFamily="34" charset="0"/>
-              <a:buChar char="•"/>
-            </a:pPr>
-            <a:r>
-              <a:rPr lang="en-US" sz="1800" dirty="0">
-                <a:solidFill>
-                  <a:schemeClr val="bg2">
-                    <a:lumMod val="25000"/>
-                  </a:schemeClr>
-                </a:solidFill>
-                <a:latin typeface="Corbel" panose="020B0503020204020204" pitchFamily="34" charset="0"/>
-              </a:rPr>
-              <a:t>The debt level, market value of debt, firm value, debt-to-value ratio, and promised bond yield </a:t>
-            </a:r>
-            <a:r>
-              <a:rPr lang="en-US" sz="1800" b="1" dirty="0">
-                <a:solidFill>
-                  <a:schemeClr val="bg2">
-                    <a:lumMod val="25000"/>
-                  </a:schemeClr>
-                </a:solidFill>
-                <a:latin typeface="Corbel" panose="020B0503020204020204" pitchFamily="34" charset="0"/>
-              </a:rPr>
-              <a:t>all increase with increases in liquidation value </a:t>
-            </a:r>
-            <a:r>
-              <a:rPr lang="en-US" sz="1800" dirty="0">
-                <a:solidFill>
-                  <a:schemeClr val="bg2">
-                    <a:lumMod val="25000"/>
-                  </a:schemeClr>
-                </a:solidFill>
-                <a:latin typeface="Corbel" panose="020B0503020204020204" pitchFamily="34" charset="0"/>
-              </a:rPr>
-              <a:t>(decrease with increases in default costs)</a:t>
-            </a:r>
-          </a:p>
-          <a:p>
-            <a:pPr marL="285750" indent="-285750" algn="l">
-              <a:lnSpc>
-                <a:spcPct val="100000"/>
-              </a:lnSpc>
-              <a:buFont typeface="Arial" panose="020B0604020202020204" pitchFamily="34" charset="0"/>
-              <a:buChar char="•"/>
-            </a:pPr>
-            <a:r>
-              <a:rPr lang="en-US" sz="1800" b="1" dirty="0">
-                <a:solidFill>
-                  <a:schemeClr val="bg2">
-                    <a:lumMod val="25000"/>
-                  </a:schemeClr>
-                </a:solidFill>
-                <a:latin typeface="Corbel" panose="020B0503020204020204" pitchFamily="34" charset="0"/>
-              </a:rPr>
-              <a:t>The probability of default increases with liquidation value </a:t>
-            </a:r>
-            <a:r>
-              <a:rPr lang="en-US" sz="1800" dirty="0">
-                <a:solidFill>
-                  <a:schemeClr val="bg2">
-                    <a:lumMod val="25000"/>
-                  </a:schemeClr>
-                </a:solidFill>
-                <a:latin typeface="Corbel" panose="020B0503020204020204" pitchFamily="34" charset="0"/>
-              </a:rPr>
-              <a:t>(decreases with default cost), but is independent of firm size</a:t>
-            </a:r>
-          </a:p>
-          <a:p>
-            <a:pPr marL="285750" indent="-285750" algn="l">
-              <a:lnSpc>
-                <a:spcPct val="100000"/>
-              </a:lnSpc>
-              <a:buFont typeface="Arial" panose="020B0604020202020204" pitchFamily="34" charset="0"/>
-              <a:buChar char="•"/>
-            </a:pPr>
-            <a:r>
-              <a:rPr lang="en-US" sz="1800" dirty="0">
-                <a:solidFill>
-                  <a:schemeClr val="bg2">
-                    <a:lumMod val="25000"/>
-                  </a:schemeClr>
-                </a:solidFill>
-                <a:latin typeface="Corbel" panose="020B0503020204020204" pitchFamily="34" charset="0"/>
-              </a:rPr>
-              <a:t>The </a:t>
-            </a:r>
-            <a:r>
-              <a:rPr lang="en-US" sz="1800" b="1" dirty="0">
-                <a:solidFill>
-                  <a:schemeClr val="bg2">
-                    <a:lumMod val="25000"/>
-                  </a:schemeClr>
-                </a:solidFill>
-                <a:latin typeface="Corbel" panose="020B0503020204020204" pitchFamily="34" charset="0"/>
-              </a:rPr>
-              <a:t>expected debt coverage ratio decreases with liquidation value </a:t>
-            </a:r>
-            <a:r>
-              <a:rPr lang="en-US" sz="1800" dirty="0">
-                <a:solidFill>
-                  <a:schemeClr val="bg2">
-                    <a:lumMod val="25000"/>
-                  </a:schemeClr>
-                </a:solidFill>
-                <a:latin typeface="Corbel" panose="020B0503020204020204" pitchFamily="34" charset="0"/>
-              </a:rPr>
-              <a:t>(increases with default costs)</a:t>
-            </a:r>
-          </a:p>
-          <a:p>
-            <a:pPr marL="285750" indent="-285750" algn="l">
-              <a:lnSpc>
-                <a:spcPct val="100000"/>
-              </a:lnSpc>
-              <a:buFont typeface="Arial" panose="020B0604020202020204" pitchFamily="34" charset="0"/>
-              <a:buChar char="•"/>
-            </a:pPr>
-            <a:r>
-              <a:rPr lang="en-US" sz="1800" b="1" dirty="0">
-                <a:solidFill>
-                  <a:schemeClr val="bg2">
-                    <a:lumMod val="25000"/>
-                  </a:schemeClr>
-                </a:solidFill>
-                <a:latin typeface="Corbel" panose="020B0503020204020204" pitchFamily="34" charset="0"/>
-              </a:rPr>
-              <a:t>Probability of reorganization given default decreases with liquidation value </a:t>
-            </a:r>
-            <a:r>
-              <a:rPr lang="en-US" sz="1800" dirty="0">
-                <a:solidFill>
-                  <a:schemeClr val="bg2">
-                    <a:lumMod val="25000"/>
-                  </a:schemeClr>
-                </a:solidFill>
-                <a:latin typeface="Corbel" panose="020B0503020204020204" pitchFamily="34" charset="0"/>
-              </a:rPr>
-              <a:t>and is independent of default costs</a:t>
-            </a:r>
-          </a:p>
-          <a:p>
-            <a:pPr marL="285750" indent="-285750" algn="l">
-              <a:lnSpc>
-                <a:spcPct val="100000"/>
-              </a:lnSpc>
-              <a:buFont typeface="Arial" panose="020B0604020202020204" pitchFamily="34" charset="0"/>
-              <a:buChar char="•"/>
-            </a:pPr>
-            <a:r>
-              <a:rPr lang="en-US" sz="1800" dirty="0">
-                <a:solidFill>
-                  <a:schemeClr val="bg2">
-                    <a:lumMod val="25000"/>
-                  </a:schemeClr>
-                </a:solidFill>
-                <a:latin typeface="Corbel" panose="020B0503020204020204" pitchFamily="34" charset="0"/>
-              </a:rPr>
-              <a:t>Leverage-increasing changes in capital structure that are </a:t>
-            </a:r>
-            <a:r>
-              <a:rPr lang="en-US" sz="1800" b="1" dirty="0">
-                <a:solidFill>
-                  <a:schemeClr val="bg2">
-                    <a:lumMod val="25000"/>
-                  </a:schemeClr>
-                </a:solidFill>
-                <a:latin typeface="Corbel" panose="020B0503020204020204" pitchFamily="34" charset="0"/>
-              </a:rPr>
-              <a:t>caused by increases in liquidation value, are accompanied by increases in firm value</a:t>
-            </a:r>
-          </a:p>
-          <a:p>
-            <a:pPr marL="285750" indent="-285750" algn="l">
-              <a:lnSpc>
-                <a:spcPct val="100000"/>
-              </a:lnSpc>
-              <a:buFont typeface="Arial" panose="020B0604020202020204" pitchFamily="34" charset="0"/>
-              <a:buChar char="•"/>
-            </a:pPr>
-            <a:r>
-              <a:rPr lang="en-US" sz="1800" b="1" dirty="0">
-                <a:solidFill>
-                  <a:schemeClr val="bg2">
-                    <a:lumMod val="25000"/>
-                  </a:schemeClr>
-                </a:solidFill>
-                <a:latin typeface="Corbel" panose="020B0503020204020204" pitchFamily="34" charset="0"/>
-              </a:rPr>
-              <a:t>More highly levered firms will also offer larger promised yields, and have lower probability of reorganization after default</a:t>
-            </a:r>
-          </a:p>
-          <a:p>
-            <a:pPr marL="285750" indent="-285750" algn="l">
-              <a:lnSpc>
-                <a:spcPct val="100000"/>
-              </a:lnSpc>
-              <a:buFont typeface="Arial" panose="020B0604020202020204" pitchFamily="34" charset="0"/>
-              <a:buChar char="•"/>
-            </a:pPr>
-            <a:endParaRPr lang="en-US" sz="1800" dirty="0">
-              <a:solidFill>
-                <a:schemeClr val="bg2">
-                  <a:lumMod val="25000"/>
-                </a:schemeClr>
-              </a:solidFill>
-              <a:latin typeface="Corbel" panose="020B0503020204020204" pitchFamily="34" charset="0"/>
-            </a:endParaRPr>
-          </a:p>
-        </p:txBody>
-      </p:sp>
-      <p:sp>
-        <p:nvSpPr>
-          <p:cNvPr id="8" name="Rectangle 7">
-            <a:extLst>
-              <a:ext uri="{FF2B5EF4-FFF2-40B4-BE49-F238E27FC236}">
-                <a16:creationId xmlns:a16="http://schemas.microsoft.com/office/drawing/2014/main" id="{9A08752B-3956-1B49-A67C-A87B88B39B90}"/>
-              </a:ext>
-            </a:extLst>
-          </p:cNvPr>
-          <p:cNvSpPr/>
-          <p:nvPr/>
-        </p:nvSpPr>
-        <p:spPr>
-          <a:xfrm>
-            <a:off x="1371600" y="1923473"/>
-            <a:ext cx="365294" cy="45719"/>
-          </a:xfrm>
-          <a:prstGeom prst="rect">
-            <a:avLst/>
-          </a:prstGeom>
-          <a:blipFill dpi="0" rotWithShape="1">
-            <a:blip r:embed="rId2">
-              <a:extLst>
-                <a:ext uri="{28A0092B-C50C-407E-A947-70E740481C1C}">
-                  <a14:useLocalDpi xmlns:a14="http://schemas.microsoft.com/office/drawing/2010/main" val="0"/>
-                </a:ext>
-              </a:extLst>
-            </a:blip>
-            <a:srcRect/>
-            <a:stretch>
-              <a:fillRect/>
-            </a:stretch>
-          </a:blipFill>
-          <a:ln>
-            <a:noFill/>
-          </a:ln>
-        </p:spPr>
-        <p:style>
-          <a:lnRef idx="2">
-            <a:schemeClr val="accent1">
-              <a:shade val="50000"/>
-            </a:schemeClr>
-          </a:lnRef>
-          <a:fillRef idx="1">
-            <a:schemeClr val="accent1"/>
-          </a:fillRef>
-          <a:effectRef idx="0">
-            <a:schemeClr val="accent1"/>
-          </a:effectRef>
-          <a:fontRef idx="minor">
-            <a:schemeClr val="lt1"/>
-          </a:fontRef>
-        </p:style>
-        <p:txBody>
-          <a:bodyPr rtlCol="0" anchor="ctr"/>
-          <a:lstStyle/>
-          <a:p>
-            <a:pPr algn="ctr"/>
-            <a:endParaRPr lang="en-US" dirty="0">
-              <a:noFill/>
-            </a:endParaRPr>
-          </a:p>
-        </p:txBody>
-      </p:sp>
-      <p:sp>
-        <p:nvSpPr>
-          <p:cNvPr id="7" name="Rectangle 6">
-            <a:extLst>
-              <a:ext uri="{FF2B5EF4-FFF2-40B4-BE49-F238E27FC236}">
-                <a16:creationId xmlns:a16="http://schemas.microsoft.com/office/drawing/2014/main" id="{978ABF79-F3EC-0246-9BED-3803B4F6241E}"/>
-              </a:ext>
-            </a:extLst>
-          </p:cNvPr>
-          <p:cNvSpPr/>
-          <p:nvPr/>
-        </p:nvSpPr>
-        <p:spPr>
-          <a:xfrm>
-            <a:off x="0" y="6766560"/>
-            <a:ext cx="12192000" cy="91440"/>
-          </a:xfrm>
-          <a:prstGeom prst="rect">
-            <a:avLst/>
-          </a:prstGeom>
-          <a:blipFill dpi="0" rotWithShape="1">
-            <a:blip r:embed="rId2">
-              <a:extLst>
-                <a:ext uri="{28A0092B-C50C-407E-A947-70E740481C1C}">
-                  <a14:useLocalDpi xmlns:a14="http://schemas.microsoft.com/office/drawing/2010/main" val="0"/>
-                </a:ext>
-              </a:extLst>
-            </a:blip>
-            <a:srcRect/>
-            <a:stretch>
-              <a:fillRect/>
-            </a:stretch>
-          </a:blipFill>
-          <a:ln>
-            <a:noFill/>
-          </a:ln>
-        </p:spPr>
-        <p:style>
-          <a:lnRef idx="2">
-            <a:schemeClr val="accent1">
-              <a:shade val="50000"/>
-            </a:schemeClr>
-          </a:lnRef>
-          <a:fillRef idx="1">
-            <a:schemeClr val="accent1"/>
-          </a:fillRef>
-          <a:effectRef idx="0">
-            <a:schemeClr val="accent1"/>
-          </a:effectRef>
-          <a:fontRef idx="minor">
-            <a:schemeClr val="lt1"/>
-          </a:fontRef>
-        </p:style>
-        <p:txBody>
-          <a:bodyPr rtlCol="0" anchor="ctr"/>
-          <a:lstStyle/>
-          <a:p>
-            <a:pPr algn="ctr"/>
-            <a:r>
-              <a:rPr lang="en-US" dirty="0">
-                <a:noFill/>
-              </a:rPr>
-              <a:t>          </a:t>
-            </a:r>
-          </a:p>
-        </p:txBody>
-      </p:sp>
-      <p:sp>
-        <p:nvSpPr>
-          <p:cNvPr id="11" name="Subtitle 2">
-            <a:extLst>
-              <a:ext uri="{FF2B5EF4-FFF2-40B4-BE49-F238E27FC236}">
-                <a16:creationId xmlns:a16="http://schemas.microsoft.com/office/drawing/2014/main" id="{540D1D29-5422-3C45-AE18-D2704579EA3C}"/>
-              </a:ext>
-            </a:extLst>
-          </p:cNvPr>
-          <p:cNvSpPr txBox="1">
-            <a:spLocks/>
-          </p:cNvSpPr>
-          <p:nvPr/>
-        </p:nvSpPr>
-        <p:spPr>
-          <a:xfrm>
-            <a:off x="1371600" y="566928"/>
-            <a:ext cx="1697064" cy="347472"/>
-          </a:xfrm>
-          <a:prstGeom prst="rect">
-            <a:avLst/>
-          </a:prstGeom>
-        </p:spPr>
-        <p:txBody>
-          <a:bodyPr vert="horz" lIns="0" tIns="45720" rIns="91440" bIns="45720" rtlCol="0">
-            <a:normAutofit/>
-          </a:bodyPr>
-          <a:lstStyle>
-            <a:lvl1pPr marL="0" indent="0" algn="ctr" defTabSz="914400" rtl="0" eaLnBrk="1" latinLnBrk="0" hangingPunct="1">
-              <a:lnSpc>
-                <a:spcPct val="90000"/>
-              </a:lnSpc>
-              <a:spcBef>
-                <a:spcPts val="1000"/>
-              </a:spcBef>
-              <a:buFont typeface="Arial" panose="020B0604020202020204" pitchFamily="34" charset="0"/>
-              <a:buNone/>
-              <a:defRPr sz="2400" kern="1200">
-                <a:solidFill>
-                  <a:schemeClr val="tx1"/>
-                </a:solidFill>
-                <a:latin typeface="+mn-lt"/>
-                <a:ea typeface="+mn-ea"/>
-                <a:cs typeface="+mn-cs"/>
-              </a:defRPr>
-            </a:lvl1pPr>
-            <a:lvl2pPr marL="457200" indent="0" algn="ctr" defTabSz="914400" rtl="0" eaLnBrk="1" latinLnBrk="0" hangingPunct="1">
-              <a:lnSpc>
-                <a:spcPct val="90000"/>
-              </a:lnSpc>
-              <a:spcBef>
-                <a:spcPts val="500"/>
-              </a:spcBef>
-              <a:buFont typeface="Arial" panose="020B0604020202020204" pitchFamily="34" charset="0"/>
-              <a:buNone/>
-              <a:defRPr sz="2000" kern="1200">
-                <a:solidFill>
-                  <a:schemeClr val="tx1"/>
-                </a:solidFill>
-                <a:latin typeface="+mn-lt"/>
-                <a:ea typeface="+mn-ea"/>
-                <a:cs typeface="+mn-cs"/>
-              </a:defRPr>
-            </a:lvl2pPr>
-            <a:lvl3pPr marL="914400" indent="0" algn="ctr" defTabSz="914400" rtl="0" eaLnBrk="1" latinLnBrk="0" hangingPunct="1">
-              <a:lnSpc>
-                <a:spcPct val="90000"/>
-              </a:lnSpc>
-              <a:spcBef>
-                <a:spcPts val="500"/>
-              </a:spcBef>
-              <a:buFont typeface="Arial" panose="020B0604020202020204" pitchFamily="34" charset="0"/>
-              <a:buNone/>
-              <a:defRPr sz="1800" kern="1200">
-                <a:solidFill>
-                  <a:schemeClr val="tx1"/>
-                </a:solidFill>
-                <a:latin typeface="+mn-lt"/>
-                <a:ea typeface="+mn-ea"/>
-                <a:cs typeface="+mn-cs"/>
-              </a:defRPr>
-            </a:lvl3pPr>
-            <a:lvl4pPr marL="1371600" indent="0" algn="ctr" defTabSz="914400" rtl="0" eaLnBrk="1" latinLnBrk="0" hangingPunct="1">
-              <a:lnSpc>
-                <a:spcPct val="90000"/>
-              </a:lnSpc>
-              <a:spcBef>
-                <a:spcPts val="500"/>
-              </a:spcBef>
-              <a:buFont typeface="Arial" panose="020B0604020202020204" pitchFamily="34" charset="0"/>
-              <a:buNone/>
-              <a:defRPr sz="1600" kern="1200">
-                <a:solidFill>
-                  <a:schemeClr val="tx1"/>
-                </a:solidFill>
-                <a:latin typeface="+mn-lt"/>
-                <a:ea typeface="+mn-ea"/>
-                <a:cs typeface="+mn-cs"/>
-              </a:defRPr>
-            </a:lvl4pPr>
-            <a:lvl5pPr marL="1828800" indent="0" algn="ctr" defTabSz="914400" rtl="0" eaLnBrk="1" latinLnBrk="0" hangingPunct="1">
-              <a:lnSpc>
-                <a:spcPct val="90000"/>
-              </a:lnSpc>
-              <a:spcBef>
-                <a:spcPts val="500"/>
-              </a:spcBef>
-              <a:buFont typeface="Arial" panose="020B0604020202020204" pitchFamily="34" charset="0"/>
-              <a:buNone/>
-              <a:defRPr sz="1600" kern="1200">
-                <a:solidFill>
-                  <a:schemeClr val="tx1"/>
-                </a:solidFill>
-                <a:latin typeface="+mn-lt"/>
-                <a:ea typeface="+mn-ea"/>
-                <a:cs typeface="+mn-cs"/>
-              </a:defRPr>
-            </a:lvl5pPr>
-            <a:lvl6pPr marL="2286000" indent="0" algn="ctr" defTabSz="914400" rtl="0" eaLnBrk="1" latinLnBrk="0" hangingPunct="1">
-              <a:lnSpc>
-                <a:spcPct val="90000"/>
-              </a:lnSpc>
-              <a:spcBef>
-                <a:spcPts val="500"/>
-              </a:spcBef>
-              <a:buFont typeface="Arial" panose="020B0604020202020204" pitchFamily="34" charset="0"/>
-              <a:buNone/>
-              <a:defRPr sz="1600" kern="1200">
-                <a:solidFill>
-                  <a:schemeClr val="tx1"/>
-                </a:solidFill>
-                <a:latin typeface="+mn-lt"/>
-                <a:ea typeface="+mn-ea"/>
-                <a:cs typeface="+mn-cs"/>
-              </a:defRPr>
-            </a:lvl6pPr>
-            <a:lvl7pPr marL="2743200" indent="0" algn="ctr" defTabSz="914400" rtl="0" eaLnBrk="1" latinLnBrk="0" hangingPunct="1">
-              <a:lnSpc>
-                <a:spcPct val="90000"/>
-              </a:lnSpc>
-              <a:spcBef>
-                <a:spcPts val="500"/>
-              </a:spcBef>
-              <a:buFont typeface="Arial" panose="020B0604020202020204" pitchFamily="34" charset="0"/>
-              <a:buNone/>
-              <a:defRPr sz="1600" kern="1200">
-                <a:solidFill>
-                  <a:schemeClr val="tx1"/>
-                </a:solidFill>
-                <a:latin typeface="+mn-lt"/>
-                <a:ea typeface="+mn-ea"/>
-                <a:cs typeface="+mn-cs"/>
-              </a:defRPr>
-            </a:lvl7pPr>
-            <a:lvl8pPr marL="3200400" indent="0" algn="ctr" defTabSz="914400" rtl="0" eaLnBrk="1" latinLnBrk="0" hangingPunct="1">
-              <a:lnSpc>
-                <a:spcPct val="90000"/>
-              </a:lnSpc>
-              <a:spcBef>
-                <a:spcPts val="500"/>
-              </a:spcBef>
-              <a:buFont typeface="Arial" panose="020B0604020202020204" pitchFamily="34" charset="0"/>
-              <a:buNone/>
-              <a:defRPr sz="1600" kern="1200">
-                <a:solidFill>
-                  <a:schemeClr val="tx1"/>
-                </a:solidFill>
-                <a:latin typeface="+mn-lt"/>
-                <a:ea typeface="+mn-ea"/>
-                <a:cs typeface="+mn-cs"/>
-              </a:defRPr>
-            </a:lvl8pPr>
-            <a:lvl9pPr marL="3657600" indent="0" algn="ctr" defTabSz="914400" rtl="0" eaLnBrk="1" latinLnBrk="0" hangingPunct="1">
-              <a:lnSpc>
-                <a:spcPct val="90000"/>
-              </a:lnSpc>
-              <a:spcBef>
-                <a:spcPts val="500"/>
-              </a:spcBef>
-              <a:buFont typeface="Arial" panose="020B0604020202020204" pitchFamily="34" charset="0"/>
-              <a:buNone/>
-              <a:defRPr sz="1600" kern="1200">
-                <a:solidFill>
-                  <a:schemeClr val="tx1"/>
-                </a:solidFill>
-                <a:latin typeface="+mn-lt"/>
-                <a:ea typeface="+mn-ea"/>
-                <a:cs typeface="+mn-cs"/>
-              </a:defRPr>
-            </a:lvl9pPr>
-          </a:lstStyle>
-          <a:p>
-            <a:pPr algn="l"/>
-            <a:r>
-              <a:rPr lang="en-US" sz="1800" dirty="0">
-                <a:solidFill>
-                  <a:schemeClr val="tx1">
-                    <a:lumMod val="50000"/>
-                    <a:lumOff val="50000"/>
-                  </a:schemeClr>
-                </a:solidFill>
-                <a:latin typeface="Corbel" panose="020B0503020204020204" pitchFamily="34" charset="0"/>
-              </a:rPr>
-              <a:t>Static Model</a:t>
-            </a:r>
-          </a:p>
-        </p:txBody>
-      </p:sp>
-      <p:sp>
-        <p:nvSpPr>
-          <p:cNvPr id="13" name="TextBox 12">
-            <a:extLst>
-              <a:ext uri="{FF2B5EF4-FFF2-40B4-BE49-F238E27FC236}">
-                <a16:creationId xmlns:a16="http://schemas.microsoft.com/office/drawing/2014/main" id="{63FF6131-3717-7C46-978F-6EE11238A91F}"/>
-              </a:ext>
-            </a:extLst>
-          </p:cNvPr>
-          <p:cNvSpPr txBox="1"/>
-          <p:nvPr/>
-        </p:nvSpPr>
-        <p:spPr>
-          <a:xfrm>
-            <a:off x="11027664" y="217444"/>
-            <a:ext cx="987552" cy="523220"/>
-          </a:xfrm>
-          <a:prstGeom prst="rect">
-            <a:avLst/>
-          </a:prstGeom>
-          <a:noFill/>
-          <a:ln>
-            <a:noFill/>
-          </a:ln>
-        </p:spPr>
-        <p:txBody>
-          <a:bodyPr wrap="square" rtlCol="0">
-            <a:spAutoFit/>
-          </a:bodyPr>
-          <a:lstStyle/>
-          <a:p>
-            <a:r>
-              <a:rPr lang="en-US" sz="2800" b="1" dirty="0">
-                <a:solidFill>
-                  <a:schemeClr val="bg2">
-                    <a:lumMod val="90000"/>
-                  </a:schemeClr>
-                </a:solidFill>
-                <a:latin typeface="Corbel" panose="020B0503020204020204" pitchFamily="34" charset="0"/>
-              </a:rPr>
-              <a:t>WSU</a:t>
-            </a:r>
-          </a:p>
-        </p:txBody>
-      </p:sp>
-      <p:pic>
-        <p:nvPicPr>
-          <p:cNvPr id="4" name="Graphic 3" descr="Arrow Up outline">
-            <a:extLst>
-              <a:ext uri="{FF2B5EF4-FFF2-40B4-BE49-F238E27FC236}">
-                <a16:creationId xmlns:a16="http://schemas.microsoft.com/office/drawing/2014/main" id="{B8B5E8F7-DBDC-A4CB-46E2-821607AC0ADF}"/>
-              </a:ext>
-            </a:extLst>
-          </p:cNvPr>
-          <p:cNvPicPr>
-            <a:picLocks noChangeAspect="1"/>
-          </p:cNvPicPr>
-          <p:nvPr/>
-        </p:nvPicPr>
-        <p:blipFill>
-          <a:blip r:embed="rId3">
-            <a:extLst>
-              <a:ext uri="{96DAC541-7B7A-43D3-8B79-37D633B846F1}">
-                <asvg:svgBlip xmlns:asvg="http://schemas.microsoft.com/office/drawing/2016/SVG/main" r:embed="rId4"/>
-              </a:ext>
-            </a:extLst>
-          </a:blip>
-          <a:stretch>
-            <a:fillRect/>
-          </a:stretch>
-        </p:blipFill>
-        <p:spPr>
-          <a:xfrm>
-            <a:off x="812094" y="2574364"/>
-            <a:ext cx="474604" cy="474604"/>
-          </a:xfrm>
-          <a:prstGeom prst="rect">
-            <a:avLst/>
-          </a:prstGeom>
-        </p:spPr>
-      </p:pic>
-      <p:pic>
-        <p:nvPicPr>
-          <p:cNvPr id="9" name="Graphic 8" descr="Arrow Down outline">
-            <a:extLst>
-              <a:ext uri="{FF2B5EF4-FFF2-40B4-BE49-F238E27FC236}">
-                <a16:creationId xmlns:a16="http://schemas.microsoft.com/office/drawing/2014/main" id="{78A8EA70-E4D8-20A5-4401-8C617FE54829}"/>
-              </a:ext>
-            </a:extLst>
-          </p:cNvPr>
-          <p:cNvPicPr>
-            <a:picLocks noChangeAspect="1"/>
-          </p:cNvPicPr>
-          <p:nvPr/>
-        </p:nvPicPr>
-        <p:blipFill>
-          <a:blip r:embed="rId5">
-            <a:extLst>
-              <a:ext uri="{96DAC541-7B7A-43D3-8B79-37D633B846F1}">
-                <asvg:svgBlip xmlns:asvg="http://schemas.microsoft.com/office/drawing/2016/SVG/main" r:embed="rId6"/>
-              </a:ext>
-            </a:extLst>
-          </a:blip>
-          <a:stretch>
-            <a:fillRect/>
-          </a:stretch>
-        </p:blipFill>
-        <p:spPr>
-          <a:xfrm>
-            <a:off x="812094" y="3774300"/>
-            <a:ext cx="474604" cy="474604"/>
-          </a:xfrm>
-          <a:prstGeom prst="rect">
-            <a:avLst/>
-          </a:prstGeom>
-        </p:spPr>
-      </p:pic>
-      <p:pic>
-        <p:nvPicPr>
-          <p:cNvPr id="3" name="Graphic 2" descr="Arrow Down outline">
-            <a:extLst>
-              <a:ext uri="{FF2B5EF4-FFF2-40B4-BE49-F238E27FC236}">
-                <a16:creationId xmlns:a16="http://schemas.microsoft.com/office/drawing/2014/main" id="{B005FD68-20B5-715C-2E8F-101D0EE3F876}"/>
-              </a:ext>
-            </a:extLst>
-          </p:cNvPr>
-          <p:cNvPicPr>
-            <a:picLocks noChangeAspect="1"/>
-          </p:cNvPicPr>
-          <p:nvPr/>
-        </p:nvPicPr>
-        <p:blipFill>
-          <a:blip r:embed="rId5">
-            <a:extLst>
-              <a:ext uri="{96DAC541-7B7A-43D3-8B79-37D633B846F1}">
-                <asvg:svgBlip xmlns:asvg="http://schemas.microsoft.com/office/drawing/2016/SVG/main" r:embed="rId6"/>
-              </a:ext>
-            </a:extLst>
-          </a:blip>
-          <a:stretch>
-            <a:fillRect/>
-          </a:stretch>
-        </p:blipFill>
-        <p:spPr>
-          <a:xfrm>
-            <a:off x="812094" y="4364335"/>
-            <a:ext cx="474604" cy="474604"/>
-          </a:xfrm>
-          <a:prstGeom prst="rect">
-            <a:avLst/>
-          </a:prstGeom>
-        </p:spPr>
-      </p:pic>
-      <p:pic>
-        <p:nvPicPr>
-          <p:cNvPr id="5" name="Graphic 4" descr="Arrow Up outline">
-            <a:extLst>
-              <a:ext uri="{FF2B5EF4-FFF2-40B4-BE49-F238E27FC236}">
-                <a16:creationId xmlns:a16="http://schemas.microsoft.com/office/drawing/2014/main" id="{92D4E584-A1A3-3EE0-1087-CA5A6AE46DB7}"/>
-              </a:ext>
-            </a:extLst>
-          </p:cNvPr>
-          <p:cNvPicPr>
-            <a:picLocks noChangeAspect="1"/>
-          </p:cNvPicPr>
-          <p:nvPr/>
-        </p:nvPicPr>
-        <p:blipFill>
-          <a:blip r:embed="rId3">
-            <a:extLst>
-              <a:ext uri="{96DAC541-7B7A-43D3-8B79-37D633B846F1}">
-                <asvg:svgBlip xmlns:asvg="http://schemas.microsoft.com/office/drawing/2016/SVG/main" r:embed="rId4"/>
-              </a:ext>
-            </a:extLst>
-          </a:blip>
-          <a:stretch>
-            <a:fillRect/>
-          </a:stretch>
-        </p:blipFill>
-        <p:spPr>
-          <a:xfrm>
-            <a:off x="812094" y="3184266"/>
-            <a:ext cx="474604" cy="474604"/>
-          </a:xfrm>
-          <a:prstGeom prst="rect">
-            <a:avLst/>
-          </a:prstGeom>
-        </p:spPr>
-      </p:pic>
-      <p:pic>
-        <p:nvPicPr>
-          <p:cNvPr id="10" name="Graphic 9" descr="Arrow Up outline">
-            <a:extLst>
-              <a:ext uri="{FF2B5EF4-FFF2-40B4-BE49-F238E27FC236}">
-                <a16:creationId xmlns:a16="http://schemas.microsoft.com/office/drawing/2014/main" id="{F68F5730-3671-CD75-10BE-34E25B29A06B}"/>
-              </a:ext>
-            </a:extLst>
-          </p:cNvPr>
-          <p:cNvPicPr>
-            <a:picLocks noChangeAspect="1"/>
-          </p:cNvPicPr>
-          <p:nvPr/>
-        </p:nvPicPr>
-        <p:blipFill>
-          <a:blip r:embed="rId3">
-            <a:extLst>
-              <a:ext uri="{96DAC541-7B7A-43D3-8B79-37D633B846F1}">
-                <asvg:svgBlip xmlns:asvg="http://schemas.microsoft.com/office/drawing/2016/SVG/main" r:embed="rId4"/>
-              </a:ext>
-            </a:extLst>
-          </a:blip>
-          <a:stretch>
-            <a:fillRect/>
-          </a:stretch>
-        </p:blipFill>
-        <p:spPr>
-          <a:xfrm>
-            <a:off x="812094" y="4975412"/>
-            <a:ext cx="474604" cy="474604"/>
-          </a:xfrm>
-          <a:prstGeom prst="rect">
-            <a:avLst/>
-          </a:prstGeom>
-        </p:spPr>
-      </p:pic>
-    </p:spTree>
-    <p:extLst>
-      <p:ext uri="{BB962C8B-B14F-4D97-AF65-F5344CB8AC3E}">
-        <p14:creationId xmlns:p14="http://schemas.microsoft.com/office/powerpoint/2010/main" val="805916559"/>
-      </p:ext>
-    </p:extLst>
-  </p:cSld>
-  <p:clrMapOvr>
-    <a:masterClrMapping/>
-  </p:clrMapOvr>
-</p:sld>
-</file>
-
-<file path=ppt/slides/slide5.xml><?xml version="1.0" encoding="utf-8"?>
 <p:sld xmlns:a="http://schemas.openxmlformats.org/drawingml/2006/main" xmlns:r="http://schemas.openxmlformats.org/officeDocument/2006/relationships" xmlns:p="http://schemas.openxmlformats.org/presentationml/2006/main">
   <p:cSld>
     <p:spTree>
@@ -20817,7 +18037,7 @@
 </p:sld>
 </file>
 
-<file path=ppt/slides/slide6.xml><?xml version="1.0" encoding="utf-8"?>
+<file path=ppt/slides/slide5.xml><?xml version="1.0" encoding="utf-8"?>
 <p:sld xmlns:a="http://schemas.openxmlformats.org/drawingml/2006/main" xmlns:r="http://schemas.openxmlformats.org/officeDocument/2006/relationships" xmlns:p="http://schemas.openxmlformats.org/presentationml/2006/main">
   <p:cSld>
     <p:spTree>
@@ -21315,7 +18535,7 @@
 </p:sld>
 </file>
 
-<file path=ppt/slides/slide7.xml><?xml version="1.0" encoding="utf-8"?>
+<file path=ppt/slides/slide6.xml><?xml version="1.0" encoding="utf-8"?>
 <p:sld xmlns:a="http://schemas.openxmlformats.org/drawingml/2006/main" xmlns:r="http://schemas.openxmlformats.org/officeDocument/2006/relationships" xmlns:p="http://schemas.openxmlformats.org/presentationml/2006/main">
   <p:cSld>
     <p:spTree>
@@ -22454,7 +19674,7 @@
 </p:sld>
 </file>
 
-<file path=ppt/slides/slide8.xml><?xml version="1.0" encoding="utf-8"?>
+<file path=ppt/slides/slide7.xml><?xml version="1.0" encoding="utf-8"?>
 <p:sld xmlns:a="http://schemas.openxmlformats.org/drawingml/2006/main" xmlns:r="http://schemas.openxmlformats.org/officeDocument/2006/relationships" xmlns:p="http://schemas.openxmlformats.org/presentationml/2006/main">
   <p:cSld>
     <p:spTree>
@@ -24148,7 +21368,7 @@
 </p:sld>
 </file>
 
-<file path=ppt/slides/slide9.xml><?xml version="1.0" encoding="utf-8"?>
+<file path=ppt/slides/slide8.xml><?xml version="1.0" encoding="utf-8"?>
 <p:sld xmlns:a="http://schemas.openxmlformats.org/drawingml/2006/main" xmlns:r="http://schemas.openxmlformats.org/officeDocument/2006/relationships" xmlns:p="http://schemas.openxmlformats.org/presentationml/2006/main">
   <p:cSld>
     <p:spTree>
@@ -26850,6 +24070,1739 @@
 </p:sld>
 </file>
 
+<file path=ppt/slides/slide9.xml><?xml version="1.0" encoding="utf-8"?>
+<p:sld xmlns:a="http://schemas.openxmlformats.org/drawingml/2006/main" xmlns:r="http://schemas.openxmlformats.org/officeDocument/2006/relationships" xmlns:p="http://schemas.openxmlformats.org/presentationml/2006/main">
+  <p:cSld>
+    <p:spTree>
+      <p:nvGrpSpPr>
+        <p:cNvPr id="1" name=""/>
+        <p:cNvGrpSpPr/>
+        <p:nvPr/>
+      </p:nvGrpSpPr>
+      <p:grpSpPr>
+        <a:xfrm>
+          <a:off x="0" y="0"/>
+          <a:ext cx="0" cy="0"/>
+          <a:chOff x="0" y="0"/>
+          <a:chExt cx="0" cy="0"/>
+        </a:xfrm>
+      </p:grpSpPr>
+      <p:sp>
+        <p:nvSpPr>
+          <p:cNvPr id="2" name="Title 1">
+            <a:extLst>
+              <a:ext uri="{FF2B5EF4-FFF2-40B4-BE49-F238E27FC236}">
+                <a16:creationId xmlns:a16="http://schemas.microsoft.com/office/drawing/2014/main" id="{900AD881-4292-3942-BA86-91F62FAFA2BA}"/>
+              </a:ext>
+            </a:extLst>
+          </p:cNvPr>
+          <p:cNvSpPr>
+            <a:spLocks noGrp="1"/>
+          </p:cNvSpPr>
+          <p:nvPr>
+            <p:ph type="ctrTitle"/>
+          </p:nvPr>
+        </p:nvSpPr>
+        <p:spPr>
+          <a:xfrm>
+            <a:off x="1371600" y="914400"/>
+            <a:ext cx="7077456" cy="914400"/>
+          </a:xfrm>
+        </p:spPr>
+        <p:txBody>
+          <a:bodyPr lIns="0" rIns="0">
+            <a:noAutofit/>
+          </a:bodyPr>
+          <a:lstStyle/>
+          <a:p>
+            <a:pPr algn="l"/>
+            <a:r>
+              <a:rPr lang="en-US" b="1" spc="-150" dirty="0">
+                <a:solidFill>
+                  <a:schemeClr val="tx1">
+                    <a:lumMod val="75000"/>
+                    <a:lumOff val="25000"/>
+                  </a:schemeClr>
+                </a:solidFill>
+                <a:latin typeface="Corbel" panose="020B0503020204020204" pitchFamily="34" charset="0"/>
+                <a:cs typeface="Calibri" panose="020F0502020204030204" pitchFamily="34" charset="0"/>
+              </a:rPr>
+              <a:t>Comparative Statics</a:t>
+            </a:r>
+          </a:p>
+        </p:txBody>
+      </p:sp>
+      <mc:AlternateContent xmlns:mc="http://schemas.openxmlformats.org/markup-compatibility/2006" xmlns:a14="http://schemas.microsoft.com/office/drawing/2010/main">
+        <mc:Choice Requires="a14">
+          <p:sp>
+            <p:nvSpPr>
+              <p:cNvPr id="6" name="Subtitle 2">
+                <a:extLst>
+                  <a:ext uri="{FF2B5EF4-FFF2-40B4-BE49-F238E27FC236}">
+                    <a16:creationId xmlns:a16="http://schemas.microsoft.com/office/drawing/2014/main" id="{EEF0D0AF-BA9D-BA4C-AB3F-F8D9E7955440}"/>
+                  </a:ext>
+                </a:extLst>
+              </p:cNvPr>
+              <p:cNvSpPr txBox="1">
+                <a:spLocks/>
+              </p:cNvSpPr>
+              <p:nvPr/>
+            </p:nvSpPr>
+            <p:spPr>
+              <a:xfrm>
+                <a:off x="1371600" y="2209124"/>
+                <a:ext cx="9656064" cy="4383699"/>
+              </a:xfrm>
+              <a:prstGeom prst="rect">
+                <a:avLst/>
+              </a:prstGeom>
+            </p:spPr>
+            <p:txBody>
+              <a:bodyPr vert="horz" lIns="0" tIns="45720" rIns="91440" bIns="45720" numCol="1" spcCol="365760" rtlCol="0">
+                <a:noAutofit/>
+              </a:bodyPr>
+              <a:lstStyle>
+                <a:lvl1pPr marL="0" indent="0" algn="ctr" defTabSz="914400" rtl="0" eaLnBrk="1" latinLnBrk="0" hangingPunct="1">
+                  <a:lnSpc>
+                    <a:spcPct val="90000"/>
+                  </a:lnSpc>
+                  <a:spcBef>
+                    <a:spcPts val="1000"/>
+                  </a:spcBef>
+                  <a:buFont typeface="Arial" panose="020B0604020202020204" pitchFamily="34" charset="0"/>
+                  <a:buNone/>
+                  <a:defRPr sz="2400" kern="1200">
+                    <a:solidFill>
+                      <a:schemeClr val="tx1"/>
+                    </a:solidFill>
+                    <a:latin typeface="+mn-lt"/>
+                    <a:ea typeface="+mn-ea"/>
+                    <a:cs typeface="+mn-cs"/>
+                  </a:defRPr>
+                </a:lvl1pPr>
+                <a:lvl2pPr marL="457200" indent="0" algn="ctr" defTabSz="914400" rtl="0" eaLnBrk="1" latinLnBrk="0" hangingPunct="1">
+                  <a:lnSpc>
+                    <a:spcPct val="90000"/>
+                  </a:lnSpc>
+                  <a:spcBef>
+                    <a:spcPts val="500"/>
+                  </a:spcBef>
+                  <a:buFont typeface="Arial" panose="020B0604020202020204" pitchFamily="34" charset="0"/>
+                  <a:buNone/>
+                  <a:defRPr sz="2000" kern="1200">
+                    <a:solidFill>
+                      <a:schemeClr val="tx1"/>
+                    </a:solidFill>
+                    <a:latin typeface="+mn-lt"/>
+                    <a:ea typeface="+mn-ea"/>
+                    <a:cs typeface="+mn-cs"/>
+                  </a:defRPr>
+                </a:lvl2pPr>
+                <a:lvl3pPr marL="914400" indent="0" algn="ctr" defTabSz="914400" rtl="0" eaLnBrk="1" latinLnBrk="0" hangingPunct="1">
+                  <a:lnSpc>
+                    <a:spcPct val="90000"/>
+                  </a:lnSpc>
+                  <a:spcBef>
+                    <a:spcPts val="500"/>
+                  </a:spcBef>
+                  <a:buFont typeface="Arial" panose="020B0604020202020204" pitchFamily="34" charset="0"/>
+                  <a:buNone/>
+                  <a:defRPr sz="1800" kern="1200">
+                    <a:solidFill>
+                      <a:schemeClr val="tx1"/>
+                    </a:solidFill>
+                    <a:latin typeface="+mn-lt"/>
+                    <a:ea typeface="+mn-ea"/>
+                    <a:cs typeface="+mn-cs"/>
+                  </a:defRPr>
+                </a:lvl3pPr>
+                <a:lvl4pPr marL="1371600" indent="0" algn="ctr" defTabSz="914400" rtl="0" eaLnBrk="1" latinLnBrk="0" hangingPunct="1">
+                  <a:lnSpc>
+                    <a:spcPct val="90000"/>
+                  </a:lnSpc>
+                  <a:spcBef>
+                    <a:spcPts val="500"/>
+                  </a:spcBef>
+                  <a:buFont typeface="Arial" panose="020B0604020202020204" pitchFamily="34" charset="0"/>
+                  <a:buNone/>
+                  <a:defRPr sz="1600" kern="1200">
+                    <a:solidFill>
+                      <a:schemeClr val="tx1"/>
+                    </a:solidFill>
+                    <a:latin typeface="+mn-lt"/>
+                    <a:ea typeface="+mn-ea"/>
+                    <a:cs typeface="+mn-cs"/>
+                  </a:defRPr>
+                </a:lvl4pPr>
+                <a:lvl5pPr marL="1828800" indent="0" algn="ctr" defTabSz="914400" rtl="0" eaLnBrk="1" latinLnBrk="0" hangingPunct="1">
+                  <a:lnSpc>
+                    <a:spcPct val="90000"/>
+                  </a:lnSpc>
+                  <a:spcBef>
+                    <a:spcPts val="500"/>
+                  </a:spcBef>
+                  <a:buFont typeface="Arial" panose="020B0604020202020204" pitchFamily="34" charset="0"/>
+                  <a:buNone/>
+                  <a:defRPr sz="1600" kern="1200">
+                    <a:solidFill>
+                      <a:schemeClr val="tx1"/>
+                    </a:solidFill>
+                    <a:latin typeface="+mn-lt"/>
+                    <a:ea typeface="+mn-ea"/>
+                    <a:cs typeface="+mn-cs"/>
+                  </a:defRPr>
+                </a:lvl5pPr>
+                <a:lvl6pPr marL="2286000" indent="0" algn="ctr" defTabSz="914400" rtl="0" eaLnBrk="1" latinLnBrk="0" hangingPunct="1">
+                  <a:lnSpc>
+                    <a:spcPct val="90000"/>
+                  </a:lnSpc>
+                  <a:spcBef>
+                    <a:spcPts val="500"/>
+                  </a:spcBef>
+                  <a:buFont typeface="Arial" panose="020B0604020202020204" pitchFamily="34" charset="0"/>
+                  <a:buNone/>
+                  <a:defRPr sz="1600" kern="1200">
+                    <a:solidFill>
+                      <a:schemeClr val="tx1"/>
+                    </a:solidFill>
+                    <a:latin typeface="+mn-lt"/>
+                    <a:ea typeface="+mn-ea"/>
+                    <a:cs typeface="+mn-cs"/>
+                  </a:defRPr>
+                </a:lvl6pPr>
+                <a:lvl7pPr marL="2743200" indent="0" algn="ctr" defTabSz="914400" rtl="0" eaLnBrk="1" latinLnBrk="0" hangingPunct="1">
+                  <a:lnSpc>
+                    <a:spcPct val="90000"/>
+                  </a:lnSpc>
+                  <a:spcBef>
+                    <a:spcPts val="500"/>
+                  </a:spcBef>
+                  <a:buFont typeface="Arial" panose="020B0604020202020204" pitchFamily="34" charset="0"/>
+                  <a:buNone/>
+                  <a:defRPr sz="1600" kern="1200">
+                    <a:solidFill>
+                      <a:schemeClr val="tx1"/>
+                    </a:solidFill>
+                    <a:latin typeface="+mn-lt"/>
+                    <a:ea typeface="+mn-ea"/>
+                    <a:cs typeface="+mn-cs"/>
+                  </a:defRPr>
+                </a:lvl7pPr>
+                <a:lvl8pPr marL="3200400" indent="0" algn="ctr" defTabSz="914400" rtl="0" eaLnBrk="1" latinLnBrk="0" hangingPunct="1">
+                  <a:lnSpc>
+                    <a:spcPct val="90000"/>
+                  </a:lnSpc>
+                  <a:spcBef>
+                    <a:spcPts val="500"/>
+                  </a:spcBef>
+                  <a:buFont typeface="Arial" panose="020B0604020202020204" pitchFamily="34" charset="0"/>
+                  <a:buNone/>
+                  <a:defRPr sz="1600" kern="1200">
+                    <a:solidFill>
+                      <a:schemeClr val="tx1"/>
+                    </a:solidFill>
+                    <a:latin typeface="+mn-lt"/>
+                    <a:ea typeface="+mn-ea"/>
+                    <a:cs typeface="+mn-cs"/>
+                  </a:defRPr>
+                </a:lvl8pPr>
+                <a:lvl9pPr marL="3657600" indent="0" algn="ctr" defTabSz="914400" rtl="0" eaLnBrk="1" latinLnBrk="0" hangingPunct="1">
+                  <a:lnSpc>
+                    <a:spcPct val="90000"/>
+                  </a:lnSpc>
+                  <a:spcBef>
+                    <a:spcPts val="500"/>
+                  </a:spcBef>
+                  <a:buFont typeface="Arial" panose="020B0604020202020204" pitchFamily="34" charset="0"/>
+                  <a:buNone/>
+                  <a:defRPr sz="1600" kern="1200">
+                    <a:solidFill>
+                      <a:schemeClr val="tx1"/>
+                    </a:solidFill>
+                    <a:latin typeface="+mn-lt"/>
+                    <a:ea typeface="+mn-ea"/>
+                    <a:cs typeface="+mn-cs"/>
+                  </a:defRPr>
+                </a:lvl9pPr>
+              </a:lstStyle>
+              <a:p>
+                <a:pPr>
+                  <a:lnSpc>
+                    <a:spcPct val="100000"/>
+                  </a:lnSpc>
+                </a:pPr>
+                <a:r>
+                  <a:rPr lang="en-US" sz="1800" b="1" i="1" dirty="0">
+                    <a:solidFill>
+                      <a:schemeClr val="bg2">
+                        <a:lumMod val="25000"/>
+                      </a:schemeClr>
+                    </a:solidFill>
+                    <a:latin typeface="Cambria Math" panose="02040503050406030204" pitchFamily="18" charset="0"/>
+                  </a:rPr>
+                  <a:t>The optimal debt level is a function of the model’s parameters.  Authors provide comparative statics on the probability of reorganization given default.</a:t>
+                </a:r>
+              </a:p>
+              <a:p>
+                <a:pPr algn="l">
+                  <a:lnSpc>
+                    <a:spcPct val="100000"/>
+                  </a:lnSpc>
+                </a:pPr>
+                <a:r>
+                  <a:rPr lang="en-US" sz="1800" dirty="0">
+                    <a:solidFill>
+                      <a:schemeClr val="bg2">
+                        <a:lumMod val="25000"/>
+                      </a:schemeClr>
+                    </a:solidFill>
+                    <a:latin typeface="Cambria Math" panose="02040503050406030204" pitchFamily="18" charset="0"/>
+                  </a:rPr>
+                  <a:t>Stockholders will be </a:t>
+                </a:r>
+                <a:r>
+                  <a:rPr lang="en-US" sz="1800" b="1" dirty="0">
+                    <a:solidFill>
+                      <a:schemeClr val="bg2">
+                        <a:lumMod val="25000"/>
+                      </a:schemeClr>
+                    </a:solidFill>
+                    <a:latin typeface="Cambria Math" panose="02040503050406030204" pitchFamily="18" charset="0"/>
+                  </a:rPr>
+                  <a:t>indifferent between liquidation and reorganization </a:t>
+                </a:r>
+                <a:r>
+                  <a:rPr lang="en-US" sz="1800" dirty="0">
+                    <a:solidFill>
+                      <a:schemeClr val="bg2">
+                        <a:lumMod val="25000"/>
+                      </a:schemeClr>
+                    </a:solidFill>
+                    <a:latin typeface="Cambria Math" panose="02040503050406030204" pitchFamily="18" charset="0"/>
+                  </a:rPr>
+                  <a:t>if the liquidation value equals the present value of expected second -period income.</a:t>
+                </a:r>
+              </a:p>
+              <a:p>
+                <a:pPr algn="l">
+                  <a:lnSpc>
+                    <a:spcPct val="100000"/>
+                  </a:lnSpc>
+                </a:pPr>
+                <a:endParaRPr lang="en-US" sz="1800" i="1" dirty="0">
+                  <a:solidFill>
+                    <a:schemeClr val="bg2">
+                      <a:lumMod val="25000"/>
+                    </a:schemeClr>
+                  </a:solidFill>
+                  <a:latin typeface="Cambria Math" panose="02040503050406030204" pitchFamily="18" charset="0"/>
+                </a:endParaRPr>
+              </a:p>
+              <a:p>
+                <a:pPr algn="l">
+                  <a:lnSpc>
+                    <a:spcPct val="100000"/>
+                  </a:lnSpc>
+                </a:pPr>
+                <a14:m>
+                  <m:oMathPara xmlns:m="http://schemas.openxmlformats.org/officeDocument/2006/math">
+                    <m:oMathParaPr>
+                      <m:jc m:val="centerGroup"/>
+                    </m:oMathParaPr>
+                    <m:oMath xmlns:m="http://schemas.openxmlformats.org/officeDocument/2006/math">
+                      <m:r>
+                        <a:rPr lang="en-US" sz="1800" b="0" i="1" smtClean="0">
+                          <a:solidFill>
+                            <a:schemeClr val="bg2">
+                              <a:lumMod val="25000"/>
+                            </a:schemeClr>
+                          </a:solidFill>
+                          <a:latin typeface="Cambria Math" panose="02040503050406030204" pitchFamily="18" charset="0"/>
+                          <a:ea typeface="Cambria Math" panose="02040503050406030204" pitchFamily="18" charset="0"/>
+                        </a:rPr>
+                        <m:t>𝐿</m:t>
+                      </m:r>
+                      <m:r>
+                        <a:rPr lang="en-US" sz="1800" b="0" i="1" smtClean="0">
+                          <a:solidFill>
+                            <a:schemeClr val="bg2">
+                              <a:lumMod val="25000"/>
+                            </a:schemeClr>
+                          </a:solidFill>
+                          <a:latin typeface="Cambria Math" panose="02040503050406030204" pitchFamily="18" charset="0"/>
+                          <a:ea typeface="Cambria Math" panose="02040503050406030204" pitchFamily="18" charset="0"/>
+                        </a:rPr>
+                        <m:t>(</m:t>
+                      </m:r>
+                      <m:r>
+                        <a:rPr lang="en-US" sz="1800" b="0" i="1" smtClean="0">
+                          <a:solidFill>
+                            <a:schemeClr val="bg2">
+                              <a:lumMod val="25000"/>
+                            </a:schemeClr>
+                          </a:solidFill>
+                          <a:latin typeface="Cambria Math" panose="02040503050406030204" pitchFamily="18" charset="0"/>
+                          <a:ea typeface="Cambria Math" panose="02040503050406030204" pitchFamily="18" charset="0"/>
+                        </a:rPr>
+                        <m:t>𝑥</m:t>
+                      </m:r>
+                      <m:r>
+                        <a:rPr lang="en-US" sz="1800" b="0" i="1" smtClean="0">
+                          <a:solidFill>
+                            <a:schemeClr val="bg2">
+                              <a:lumMod val="25000"/>
+                            </a:schemeClr>
+                          </a:solidFill>
+                          <a:latin typeface="Cambria Math" panose="02040503050406030204" pitchFamily="18" charset="0"/>
+                          <a:ea typeface="Cambria Math" panose="02040503050406030204" pitchFamily="18" charset="0"/>
+                        </a:rPr>
+                        <m:t>, </m:t>
+                      </m:r>
+                      <m:r>
+                        <a:rPr lang="en-US" sz="1800" b="0" i="1" smtClean="0">
+                          <a:solidFill>
+                            <a:schemeClr val="bg2">
+                              <a:lumMod val="25000"/>
+                            </a:schemeClr>
+                          </a:solidFill>
+                          <a:latin typeface="Cambria Math" panose="02040503050406030204" pitchFamily="18" charset="0"/>
+                          <a:ea typeface="Cambria Math" panose="02040503050406030204" pitchFamily="18" charset="0"/>
+                        </a:rPr>
+                        <m:t>𝑎</m:t>
+                      </m:r>
+                      <m:d>
+                        <m:dPr>
+                          <m:ctrlPr>
+                            <a:rPr lang="en-US" sz="1800" b="0" i="1" smtClean="0">
+                              <a:solidFill>
+                                <a:schemeClr val="bg2">
+                                  <a:lumMod val="25000"/>
+                                </a:schemeClr>
+                              </a:solidFill>
+                              <a:latin typeface="Cambria Math" panose="02040503050406030204" pitchFamily="18" charset="0"/>
+                              <a:ea typeface="Cambria Math" panose="02040503050406030204" pitchFamily="18" charset="0"/>
+                            </a:rPr>
+                          </m:ctrlPr>
+                        </m:dPr>
+                        <m:e>
+                          <m:r>
+                            <a:rPr lang="en-US" sz="1800" b="0" i="1" smtClean="0">
+                              <a:solidFill>
+                                <a:schemeClr val="bg2">
+                                  <a:lumMod val="25000"/>
+                                </a:schemeClr>
+                              </a:solidFill>
+                              <a:latin typeface="Cambria Math" panose="02040503050406030204" pitchFamily="18" charset="0"/>
+                              <a:ea typeface="Cambria Math" panose="02040503050406030204" pitchFamily="18" charset="0"/>
+                            </a:rPr>
+                            <m:t>𝑥</m:t>
+                          </m:r>
+                          <m:r>
+                            <a:rPr lang="en-US" sz="1800" b="0" i="1" smtClean="0">
+                              <a:solidFill>
+                                <a:schemeClr val="bg2">
+                                  <a:lumMod val="25000"/>
+                                </a:schemeClr>
+                              </a:solidFill>
+                              <a:latin typeface="Cambria Math" panose="02040503050406030204" pitchFamily="18" charset="0"/>
+                              <a:ea typeface="Cambria Math" panose="02040503050406030204" pitchFamily="18" charset="0"/>
+                            </a:rPr>
+                            <m:t>,</m:t>
+                          </m:r>
+                          <m:r>
+                            <a:rPr lang="en-US" sz="1800" b="0" i="1" smtClean="0">
+                              <a:solidFill>
+                                <a:schemeClr val="bg2">
+                                  <a:lumMod val="25000"/>
+                                </a:schemeClr>
+                              </a:solidFill>
+                              <a:latin typeface="Cambria Math" panose="02040503050406030204" pitchFamily="18" charset="0"/>
+                              <a:ea typeface="Cambria Math" panose="02040503050406030204" pitchFamily="18" charset="0"/>
+                            </a:rPr>
+                            <m:t>𝑠</m:t>
+                          </m:r>
+                        </m:e>
+                      </m:d>
+                      <m:r>
+                        <a:rPr lang="en-US" sz="1800" b="0" i="1" smtClean="0">
+                          <a:solidFill>
+                            <a:schemeClr val="bg2">
+                              <a:lumMod val="25000"/>
+                            </a:schemeClr>
+                          </a:solidFill>
+                          <a:latin typeface="Cambria Math" panose="02040503050406030204" pitchFamily="18" charset="0"/>
+                          <a:ea typeface="Cambria Math" panose="02040503050406030204" pitchFamily="18" charset="0"/>
+                        </a:rPr>
+                        <m:t>,</m:t>
+                      </m:r>
+                      <m:r>
+                        <a:rPr lang="en-US" sz="1800" b="0" i="1" smtClean="0">
+                          <a:solidFill>
+                            <a:schemeClr val="bg2">
+                              <a:lumMod val="25000"/>
+                            </a:schemeClr>
+                          </a:solidFill>
+                          <a:latin typeface="Cambria Math" panose="02040503050406030204" pitchFamily="18" charset="0"/>
+                          <a:ea typeface="Cambria Math" panose="02040503050406030204" pitchFamily="18" charset="0"/>
+                        </a:rPr>
+                        <m:t>𝑠</m:t>
+                      </m:r>
+                      <m:r>
+                        <a:rPr lang="en-US" sz="1800" b="0" i="1" smtClean="0">
+                          <a:solidFill>
+                            <a:schemeClr val="bg2">
+                              <a:lumMod val="25000"/>
+                            </a:schemeClr>
+                          </a:solidFill>
+                          <a:latin typeface="Cambria Math" panose="02040503050406030204" pitchFamily="18" charset="0"/>
+                          <a:ea typeface="Cambria Math" panose="02040503050406030204" pitchFamily="18" charset="0"/>
+                        </a:rPr>
+                        <m:t>)=</m:t>
+                      </m:r>
+                      <m:r>
+                        <a:rPr lang="en-US" sz="1800" i="1">
+                          <a:solidFill>
+                            <a:schemeClr val="bg2">
+                              <a:lumMod val="25000"/>
+                            </a:schemeClr>
+                          </a:solidFill>
+                          <a:latin typeface="Cambria Math" panose="02040503050406030204" pitchFamily="18" charset="0"/>
+                          <a:ea typeface="Cambria Math" panose="02040503050406030204" pitchFamily="18" charset="0"/>
+                        </a:rPr>
+                        <m:t>𝛽</m:t>
+                      </m:r>
+                      <m:sSup>
+                        <m:sSupPr>
+                          <m:ctrlPr>
+                            <a:rPr lang="en-US" sz="1800" i="1">
+                              <a:solidFill>
+                                <a:schemeClr val="bg2">
+                                  <a:lumMod val="25000"/>
+                                </a:schemeClr>
+                              </a:solidFill>
+                              <a:latin typeface="Cambria Math" panose="02040503050406030204" pitchFamily="18" charset="0"/>
+                              <a:ea typeface="Cambria Math" panose="02040503050406030204" pitchFamily="18" charset="0"/>
+                            </a:rPr>
+                          </m:ctrlPr>
+                        </m:sSupPr>
+                        <m:e>
+                          <m:acc>
+                            <m:accPr>
+                              <m:chr m:val="̅"/>
+                              <m:ctrlPr>
+                                <a:rPr lang="en-US" sz="1800" i="1">
+                                  <a:solidFill>
+                                    <a:schemeClr val="bg2">
+                                      <a:lumMod val="25000"/>
+                                    </a:schemeClr>
+                                  </a:solidFill>
+                                  <a:latin typeface="Cambria Math" panose="02040503050406030204" pitchFamily="18" charset="0"/>
+                                  <a:ea typeface="Cambria Math" panose="02040503050406030204" pitchFamily="18" charset="0"/>
+                                </a:rPr>
+                              </m:ctrlPr>
+                            </m:accPr>
+                            <m:e>
+                              <m:r>
+                                <a:rPr lang="en-US" sz="1800" i="1">
+                                  <a:solidFill>
+                                    <a:schemeClr val="bg2">
+                                      <a:lumMod val="25000"/>
+                                    </a:schemeClr>
+                                  </a:solidFill>
+                                  <a:latin typeface="Cambria Math" panose="02040503050406030204" pitchFamily="18" charset="0"/>
+                                  <a:ea typeface="Cambria Math" panose="02040503050406030204" pitchFamily="18" charset="0"/>
+                                </a:rPr>
+                                <m:t>𝑥</m:t>
+                              </m:r>
+                            </m:e>
+                          </m:acc>
+                        </m:e>
+                        <m:sup>
+                          <m:r>
+                            <a:rPr lang="en-US" sz="1800" b="0" i="1" smtClean="0">
+                              <a:solidFill>
+                                <a:schemeClr val="bg2">
+                                  <a:lumMod val="25000"/>
+                                </a:schemeClr>
+                              </a:solidFill>
+                              <a:latin typeface="Cambria Math" panose="02040503050406030204" pitchFamily="18" charset="0"/>
+                              <a:ea typeface="Cambria Math" panose="02040503050406030204" pitchFamily="18" charset="0"/>
+                            </a:rPr>
+                            <m:t>𝑖</m:t>
+                          </m:r>
+                        </m:sup>
+                      </m:sSup>
+                      <m:d>
+                        <m:dPr>
+                          <m:ctrlPr>
+                            <a:rPr lang="en-US" sz="1800" i="1">
+                              <a:solidFill>
+                                <a:schemeClr val="bg2">
+                                  <a:lumMod val="25000"/>
+                                </a:schemeClr>
+                              </a:solidFill>
+                              <a:latin typeface="Cambria Math" panose="02040503050406030204" pitchFamily="18" charset="0"/>
+                              <a:ea typeface="Cambria Math" panose="02040503050406030204" pitchFamily="18" charset="0"/>
+                            </a:rPr>
+                          </m:ctrlPr>
+                        </m:dPr>
+                        <m:e>
+                          <m:r>
+                            <a:rPr lang="en-US" sz="1800" i="1">
+                              <a:solidFill>
+                                <a:schemeClr val="bg2">
+                                  <a:lumMod val="25000"/>
+                                </a:schemeClr>
+                              </a:solidFill>
+                              <a:latin typeface="Cambria Math" panose="02040503050406030204" pitchFamily="18" charset="0"/>
+                              <a:ea typeface="Cambria Math" panose="02040503050406030204" pitchFamily="18" charset="0"/>
+                            </a:rPr>
+                            <m:t>𝑥</m:t>
+                          </m:r>
+                          <m:r>
+                            <a:rPr lang="en-US" sz="1800" i="1">
+                              <a:solidFill>
+                                <a:schemeClr val="bg2">
+                                  <a:lumMod val="25000"/>
+                                </a:schemeClr>
+                              </a:solidFill>
+                              <a:latin typeface="Cambria Math" panose="02040503050406030204" pitchFamily="18" charset="0"/>
+                              <a:ea typeface="Cambria Math" panose="02040503050406030204" pitchFamily="18" charset="0"/>
+                            </a:rPr>
+                            <m:t>,</m:t>
+                          </m:r>
+                          <m:r>
+                            <a:rPr lang="en-US" sz="1800" b="0" i="1" smtClean="0">
+                              <a:solidFill>
+                                <a:schemeClr val="bg2">
+                                  <a:lumMod val="25000"/>
+                                </a:schemeClr>
+                              </a:solidFill>
+                              <a:latin typeface="Cambria Math" panose="02040503050406030204" pitchFamily="18" charset="0"/>
+                              <a:ea typeface="Cambria Math" panose="02040503050406030204" pitchFamily="18" charset="0"/>
+                            </a:rPr>
+                            <m:t>𝑎</m:t>
+                          </m:r>
+                          <m:r>
+                            <a:rPr lang="en-US" sz="1800" b="0" i="1" smtClean="0">
+                              <a:solidFill>
+                                <a:schemeClr val="bg2">
+                                  <a:lumMod val="25000"/>
+                                </a:schemeClr>
+                              </a:solidFill>
+                              <a:latin typeface="Cambria Math" panose="02040503050406030204" pitchFamily="18" charset="0"/>
+                              <a:ea typeface="Cambria Math" panose="02040503050406030204" pitchFamily="18" charset="0"/>
+                            </a:rPr>
+                            <m:t>(</m:t>
+                          </m:r>
+                          <m:r>
+                            <a:rPr lang="en-US" sz="1800" b="0" i="1" smtClean="0">
+                              <a:solidFill>
+                                <a:schemeClr val="bg2">
+                                  <a:lumMod val="25000"/>
+                                </a:schemeClr>
+                              </a:solidFill>
+                              <a:latin typeface="Cambria Math" panose="02040503050406030204" pitchFamily="18" charset="0"/>
+                              <a:ea typeface="Cambria Math" panose="02040503050406030204" pitchFamily="18" charset="0"/>
+                            </a:rPr>
+                            <m:t>𝑥</m:t>
+                          </m:r>
+                          <m:r>
+                            <a:rPr lang="en-US" sz="1800" b="0" i="1" smtClean="0">
+                              <a:solidFill>
+                                <a:schemeClr val="bg2">
+                                  <a:lumMod val="25000"/>
+                                </a:schemeClr>
+                              </a:solidFill>
+                              <a:latin typeface="Cambria Math" panose="02040503050406030204" pitchFamily="18" charset="0"/>
+                              <a:ea typeface="Cambria Math" panose="02040503050406030204" pitchFamily="18" charset="0"/>
+                            </a:rPr>
+                            <m:t>,</m:t>
+                          </m:r>
+                          <m:r>
+                            <a:rPr lang="en-US" sz="1800" b="0" i="1" smtClean="0">
+                              <a:solidFill>
+                                <a:schemeClr val="bg2">
+                                  <a:lumMod val="25000"/>
+                                </a:schemeClr>
+                              </a:solidFill>
+                              <a:latin typeface="Cambria Math" panose="02040503050406030204" pitchFamily="18" charset="0"/>
+                              <a:ea typeface="Cambria Math" panose="02040503050406030204" pitchFamily="18" charset="0"/>
+                            </a:rPr>
+                            <m:t>𝑠</m:t>
+                          </m:r>
+                        </m:e>
+                      </m:d>
+                      <m:r>
+                        <a:rPr lang="en-US" sz="1800" b="0" i="1" smtClean="0">
+                          <a:solidFill>
+                            <a:schemeClr val="bg2">
+                              <a:lumMod val="25000"/>
+                            </a:schemeClr>
+                          </a:solidFill>
+                          <a:latin typeface="Cambria Math" panose="02040503050406030204" pitchFamily="18" charset="0"/>
+                          <a:ea typeface="Cambria Math" panose="02040503050406030204" pitchFamily="18" charset="0"/>
+                        </a:rPr>
+                        <m:t>,</m:t>
+                      </m:r>
+                      <m:r>
+                        <a:rPr lang="en-US" sz="1800" b="0" i="1" smtClean="0">
+                          <a:solidFill>
+                            <a:schemeClr val="bg2">
+                              <a:lumMod val="25000"/>
+                            </a:schemeClr>
+                          </a:solidFill>
+                          <a:latin typeface="Cambria Math" panose="02040503050406030204" pitchFamily="18" charset="0"/>
+                          <a:ea typeface="Cambria Math" panose="02040503050406030204" pitchFamily="18" charset="0"/>
+                        </a:rPr>
+                        <m:t>𝑠</m:t>
+                      </m:r>
+                      <m:r>
+                        <a:rPr lang="en-US" sz="1800" b="0" i="1" smtClean="0">
+                          <a:solidFill>
+                            <a:schemeClr val="bg2">
+                              <a:lumMod val="25000"/>
+                            </a:schemeClr>
+                          </a:solidFill>
+                          <a:latin typeface="Cambria Math" panose="02040503050406030204" pitchFamily="18" charset="0"/>
+                          <a:ea typeface="Cambria Math" panose="02040503050406030204" pitchFamily="18" charset="0"/>
+                        </a:rPr>
+                        <m:t>)</m:t>
+                      </m:r>
+                    </m:oMath>
+                  </m:oMathPara>
+                </a14:m>
+                <a:endParaRPr lang="en-US" sz="1800" i="1" dirty="0">
+                  <a:solidFill>
+                    <a:schemeClr val="bg2">
+                      <a:lumMod val="25000"/>
+                    </a:schemeClr>
+                  </a:solidFill>
+                  <a:latin typeface="Cambria Math" panose="02040503050406030204" pitchFamily="18" charset="0"/>
+                </a:endParaRPr>
+              </a:p>
+              <a:p>
+                <a:pPr algn="l">
+                  <a:lnSpc>
+                    <a:spcPct val="100000"/>
+                  </a:lnSpc>
+                </a:pPr>
+                <a:endParaRPr lang="en-US" sz="1800" i="1" dirty="0">
+                  <a:solidFill>
+                    <a:schemeClr val="bg2">
+                      <a:lumMod val="25000"/>
+                    </a:schemeClr>
+                  </a:solidFill>
+                  <a:latin typeface="Cambria Math" panose="02040503050406030204" pitchFamily="18" charset="0"/>
+                </a:endParaRPr>
+              </a:p>
+              <a:p>
+                <a:pPr algn="l">
+                  <a:lnSpc>
+                    <a:spcPct val="100000"/>
+                  </a:lnSpc>
+                </a:pPr>
+                <a:r>
+                  <a:rPr lang="en-US" sz="1800" dirty="0">
+                    <a:solidFill>
+                      <a:schemeClr val="bg2">
+                        <a:lumMod val="25000"/>
+                      </a:schemeClr>
+                    </a:solidFill>
+                    <a:latin typeface="Cambria Math" panose="02040503050406030204" pitchFamily="18" charset="0"/>
+                  </a:rPr>
+                  <a:t>Therefore, shareholders prefer to reorganize if and only if </a:t>
+                </a:r>
+                <a14:m>
+                  <m:oMath xmlns:m="http://schemas.openxmlformats.org/officeDocument/2006/math">
+                    <m:r>
+                      <a:rPr lang="en-US" sz="1800" b="0" i="1" smtClean="0">
+                        <a:solidFill>
+                          <a:schemeClr val="bg2">
+                            <a:lumMod val="25000"/>
+                          </a:schemeClr>
+                        </a:solidFill>
+                        <a:latin typeface="Cambria Math" panose="02040503050406030204" pitchFamily="18" charset="0"/>
+                      </a:rPr>
+                      <m:t>𝑎</m:t>
+                    </m:r>
+                    <m:r>
+                      <a:rPr lang="en-US" sz="1800" b="0" i="1" smtClean="0">
+                        <a:solidFill>
+                          <a:schemeClr val="bg2">
+                            <a:lumMod val="25000"/>
+                          </a:schemeClr>
+                        </a:solidFill>
+                        <a:latin typeface="Cambria Math" panose="02040503050406030204" pitchFamily="18" charset="0"/>
+                        <a:ea typeface="Cambria Math" panose="02040503050406030204" pitchFamily="18" charset="0"/>
+                      </a:rPr>
+                      <m:t>≥</m:t>
+                    </m:r>
+                    <m:r>
+                      <a:rPr lang="en-US" sz="1800" b="0" i="1" smtClean="0">
+                        <a:solidFill>
+                          <a:schemeClr val="bg2">
+                            <a:lumMod val="25000"/>
+                          </a:schemeClr>
+                        </a:solidFill>
+                        <a:latin typeface="Cambria Math" panose="02040503050406030204" pitchFamily="18" charset="0"/>
+                        <a:ea typeface="Cambria Math" panose="02040503050406030204" pitchFamily="18" charset="0"/>
+                      </a:rPr>
+                      <m:t>𝑎</m:t>
+                    </m:r>
+                    <m:r>
+                      <a:rPr lang="en-US" sz="1800" b="0" i="1" smtClean="0">
+                        <a:solidFill>
+                          <a:schemeClr val="bg2">
+                            <a:lumMod val="25000"/>
+                          </a:schemeClr>
+                        </a:solidFill>
+                        <a:latin typeface="Cambria Math" panose="02040503050406030204" pitchFamily="18" charset="0"/>
+                        <a:ea typeface="Cambria Math" panose="02040503050406030204" pitchFamily="18" charset="0"/>
+                      </a:rPr>
+                      <m:t>(</m:t>
+                    </m:r>
+                    <m:r>
+                      <a:rPr lang="en-US" sz="1800" b="0" i="1" smtClean="0">
+                        <a:solidFill>
+                          <a:schemeClr val="bg2">
+                            <a:lumMod val="25000"/>
+                          </a:schemeClr>
+                        </a:solidFill>
+                        <a:latin typeface="Cambria Math" panose="02040503050406030204" pitchFamily="18" charset="0"/>
+                        <a:ea typeface="Cambria Math" panose="02040503050406030204" pitchFamily="18" charset="0"/>
+                      </a:rPr>
+                      <m:t>𝑥</m:t>
+                    </m:r>
+                    <m:r>
+                      <a:rPr lang="en-US" sz="1800" b="0" i="1" smtClean="0">
+                        <a:solidFill>
+                          <a:schemeClr val="bg2">
+                            <a:lumMod val="25000"/>
+                          </a:schemeClr>
+                        </a:solidFill>
+                        <a:latin typeface="Cambria Math" panose="02040503050406030204" pitchFamily="18" charset="0"/>
+                        <a:ea typeface="Cambria Math" panose="02040503050406030204" pitchFamily="18" charset="0"/>
+                      </a:rPr>
+                      <m:t>,</m:t>
+                    </m:r>
+                    <m:r>
+                      <a:rPr lang="en-US" sz="1800" b="0" i="1" smtClean="0">
+                        <a:solidFill>
+                          <a:schemeClr val="bg2">
+                            <a:lumMod val="25000"/>
+                          </a:schemeClr>
+                        </a:solidFill>
+                        <a:latin typeface="Cambria Math" panose="02040503050406030204" pitchFamily="18" charset="0"/>
+                        <a:ea typeface="Cambria Math" panose="02040503050406030204" pitchFamily="18" charset="0"/>
+                      </a:rPr>
+                      <m:t>𝑠</m:t>
+                    </m:r>
+                    <m:r>
+                      <a:rPr lang="en-US" sz="1800" b="0" i="1" smtClean="0">
+                        <a:solidFill>
+                          <a:schemeClr val="bg2">
+                            <a:lumMod val="25000"/>
+                          </a:schemeClr>
+                        </a:solidFill>
+                        <a:latin typeface="Cambria Math" panose="02040503050406030204" pitchFamily="18" charset="0"/>
+                        <a:ea typeface="Cambria Math" panose="02040503050406030204" pitchFamily="18" charset="0"/>
+                      </a:rPr>
+                      <m:t>)</m:t>
+                    </m:r>
+                  </m:oMath>
+                </a14:m>
+                <a:r>
+                  <a:rPr lang="en-US" sz="1800" dirty="0">
+                    <a:solidFill>
+                      <a:schemeClr val="bg2">
+                        <a:lumMod val="25000"/>
+                      </a:schemeClr>
+                    </a:solidFill>
+                    <a:latin typeface="Cambria Math" panose="02040503050406030204" pitchFamily="18" charset="0"/>
+                  </a:rPr>
+                  <a:t> (level of the audit signal)</a:t>
+                </a:r>
+              </a:p>
+              <a:p>
+                <a:pPr algn="l">
+                  <a:lnSpc>
+                    <a:spcPct val="100000"/>
+                  </a:lnSpc>
+                </a:pPr>
+                <a:endParaRPr lang="en-US" sz="1800" b="0" i="1" dirty="0">
+                  <a:solidFill>
+                    <a:schemeClr val="bg2">
+                      <a:lumMod val="25000"/>
+                    </a:schemeClr>
+                  </a:solidFill>
+                  <a:latin typeface="Cambria Math" panose="02040503050406030204" pitchFamily="18" charset="0"/>
+                </a:endParaRPr>
+              </a:p>
+              <a:p>
+                <a:pPr algn="l">
+                  <a:lnSpc>
+                    <a:spcPct val="100000"/>
+                  </a:lnSpc>
+                </a:pPr>
+                <a14:m>
+                  <m:oMathPara xmlns:m="http://schemas.openxmlformats.org/officeDocument/2006/math">
+                    <m:oMathParaPr>
+                      <m:jc m:val="centerGroup"/>
+                    </m:oMathParaPr>
+                    <m:oMath xmlns:m="http://schemas.openxmlformats.org/officeDocument/2006/math">
+                      <m:r>
+                        <a:rPr lang="en-US" sz="1800" b="0" i="1" smtClean="0">
+                          <a:solidFill>
+                            <a:schemeClr val="bg2">
+                              <a:lumMod val="25000"/>
+                            </a:schemeClr>
+                          </a:solidFill>
+                          <a:latin typeface="Cambria Math" panose="02040503050406030204" pitchFamily="18" charset="0"/>
+                        </a:rPr>
+                        <m:t>𝑃</m:t>
+                      </m:r>
+                      <m:d>
+                        <m:dPr>
+                          <m:ctrlPr>
+                            <a:rPr lang="en-US" sz="1800" b="0" i="1" smtClean="0">
+                              <a:solidFill>
+                                <a:schemeClr val="bg2">
+                                  <a:lumMod val="25000"/>
+                                </a:schemeClr>
+                              </a:solidFill>
+                              <a:latin typeface="Cambria Math" panose="02040503050406030204" pitchFamily="18" charset="0"/>
+                            </a:rPr>
+                          </m:ctrlPr>
+                        </m:dPr>
+                        <m:e>
+                          <m:r>
+                            <a:rPr lang="en-US" sz="1800" b="0" i="1" smtClean="0">
+                              <a:solidFill>
+                                <a:schemeClr val="bg2">
+                                  <a:lumMod val="25000"/>
+                                </a:schemeClr>
+                              </a:solidFill>
+                              <a:latin typeface="Cambria Math" panose="02040503050406030204" pitchFamily="18" charset="0"/>
+                            </a:rPr>
+                            <m:t>𝑅</m:t>
+                          </m:r>
+                        </m:e>
+                        <m:e>
+                          <m:r>
+                            <a:rPr lang="en-US" sz="1800" b="0" i="1" smtClean="0">
+                              <a:solidFill>
+                                <a:schemeClr val="bg2">
+                                  <a:lumMod val="25000"/>
+                                </a:schemeClr>
+                              </a:solidFill>
+                              <a:latin typeface="Cambria Math" panose="02040503050406030204" pitchFamily="18" charset="0"/>
+                            </a:rPr>
+                            <m:t>𝑥</m:t>
+                          </m:r>
+                          <m:r>
+                            <a:rPr lang="en-US" sz="1800" b="0" i="1" smtClean="0">
+                              <a:solidFill>
+                                <a:schemeClr val="bg2">
+                                  <a:lumMod val="25000"/>
+                                </a:schemeClr>
+                              </a:solidFill>
+                              <a:latin typeface="Cambria Math" panose="02040503050406030204" pitchFamily="18" charset="0"/>
+                            </a:rPr>
+                            <m:t>,</m:t>
+                          </m:r>
+                          <m:r>
+                            <a:rPr lang="en-US" sz="1800" b="0" i="1" smtClean="0">
+                              <a:solidFill>
+                                <a:schemeClr val="bg2">
+                                  <a:lumMod val="25000"/>
+                                </a:schemeClr>
+                              </a:solidFill>
+                              <a:latin typeface="Cambria Math" panose="02040503050406030204" pitchFamily="18" charset="0"/>
+                            </a:rPr>
+                            <m:t>𝑠</m:t>
+                          </m:r>
+                        </m:e>
+                      </m:d>
+                      <m:r>
+                        <a:rPr lang="en-US" sz="1800" b="0" i="1" smtClean="0">
+                          <a:solidFill>
+                            <a:schemeClr val="bg2">
+                              <a:lumMod val="25000"/>
+                            </a:schemeClr>
+                          </a:solidFill>
+                          <a:latin typeface="Cambria Math" panose="02040503050406030204" pitchFamily="18" charset="0"/>
+                        </a:rPr>
+                        <m:t>=1−</m:t>
+                      </m:r>
+                      <m:r>
+                        <a:rPr lang="en-US" sz="1800" b="0" i="1" smtClean="0">
+                          <a:solidFill>
+                            <a:schemeClr val="bg2">
+                              <a:lumMod val="25000"/>
+                            </a:schemeClr>
+                          </a:solidFill>
+                          <a:latin typeface="Cambria Math" panose="02040503050406030204" pitchFamily="18" charset="0"/>
+                        </a:rPr>
+                        <m:t>𝐹</m:t>
+                      </m:r>
+                      <m:d>
+                        <m:dPr>
+                          <m:begChr m:val="["/>
+                          <m:endChr m:val="]"/>
+                          <m:ctrlPr>
+                            <a:rPr lang="en-US" sz="1800" b="0" i="1" smtClean="0">
+                              <a:solidFill>
+                                <a:schemeClr val="bg2">
+                                  <a:lumMod val="25000"/>
+                                </a:schemeClr>
+                              </a:solidFill>
+                              <a:latin typeface="Cambria Math" panose="02040503050406030204" pitchFamily="18" charset="0"/>
+                            </a:rPr>
+                          </m:ctrlPr>
+                        </m:dPr>
+                        <m:e>
+                          <m:r>
+                            <a:rPr lang="en-US" sz="1800" b="0" i="1" smtClean="0">
+                              <a:solidFill>
+                                <a:schemeClr val="bg2">
+                                  <a:lumMod val="25000"/>
+                                </a:schemeClr>
+                              </a:solidFill>
+                              <a:latin typeface="Cambria Math" panose="02040503050406030204" pitchFamily="18" charset="0"/>
+                            </a:rPr>
+                            <m:t>𝑎</m:t>
+                          </m:r>
+                          <m:d>
+                            <m:dPr>
+                              <m:ctrlPr>
+                                <a:rPr lang="en-US" sz="1800" b="0" i="1" smtClean="0">
+                                  <a:solidFill>
+                                    <a:schemeClr val="bg2">
+                                      <a:lumMod val="25000"/>
+                                    </a:schemeClr>
+                                  </a:solidFill>
+                                  <a:latin typeface="Cambria Math" panose="02040503050406030204" pitchFamily="18" charset="0"/>
+                                </a:rPr>
+                              </m:ctrlPr>
+                            </m:dPr>
+                            <m:e>
+                              <m:r>
+                                <a:rPr lang="en-US" sz="1800" b="0" i="1" smtClean="0">
+                                  <a:solidFill>
+                                    <a:schemeClr val="bg2">
+                                      <a:lumMod val="25000"/>
+                                    </a:schemeClr>
+                                  </a:solidFill>
+                                  <a:latin typeface="Cambria Math" panose="02040503050406030204" pitchFamily="18" charset="0"/>
+                                </a:rPr>
+                                <m:t>𝑥</m:t>
+                              </m:r>
+                              <m:r>
+                                <a:rPr lang="en-US" sz="1800" b="0" i="1" smtClean="0">
+                                  <a:solidFill>
+                                    <a:schemeClr val="bg2">
+                                      <a:lumMod val="25000"/>
+                                    </a:schemeClr>
+                                  </a:solidFill>
+                                  <a:latin typeface="Cambria Math" panose="02040503050406030204" pitchFamily="18" charset="0"/>
+                                </a:rPr>
+                                <m:t>,</m:t>
+                              </m:r>
+                              <m:r>
+                                <a:rPr lang="en-US" sz="1800" b="0" i="1" smtClean="0">
+                                  <a:solidFill>
+                                    <a:schemeClr val="bg2">
+                                      <a:lumMod val="25000"/>
+                                    </a:schemeClr>
+                                  </a:solidFill>
+                                  <a:latin typeface="Cambria Math" panose="02040503050406030204" pitchFamily="18" charset="0"/>
+                                </a:rPr>
+                                <m:t>𝑠</m:t>
+                              </m:r>
+                            </m:e>
+                          </m:d>
+                        </m:e>
+                        <m:e>
+                          <m:r>
+                            <a:rPr lang="en-US" sz="1800" b="0" i="1" smtClean="0">
+                              <a:solidFill>
+                                <a:schemeClr val="bg2">
+                                  <a:lumMod val="25000"/>
+                                </a:schemeClr>
+                              </a:solidFill>
+                              <a:latin typeface="Cambria Math" panose="02040503050406030204" pitchFamily="18" charset="0"/>
+                            </a:rPr>
+                            <m:t>𝑥</m:t>
+                          </m:r>
+                          <m:r>
+                            <a:rPr lang="en-US" sz="1800" b="0" i="1" smtClean="0">
+                              <a:solidFill>
+                                <a:schemeClr val="bg2">
+                                  <a:lumMod val="25000"/>
+                                </a:schemeClr>
+                              </a:solidFill>
+                              <a:latin typeface="Cambria Math" panose="02040503050406030204" pitchFamily="18" charset="0"/>
+                            </a:rPr>
+                            <m:t>,</m:t>
+                          </m:r>
+                          <m:r>
+                            <a:rPr lang="en-US" sz="1800" b="0" i="1" smtClean="0">
+                              <a:solidFill>
+                                <a:schemeClr val="bg2">
+                                  <a:lumMod val="25000"/>
+                                </a:schemeClr>
+                              </a:solidFill>
+                              <a:latin typeface="Cambria Math" panose="02040503050406030204" pitchFamily="18" charset="0"/>
+                            </a:rPr>
+                            <m:t>𝑠</m:t>
+                          </m:r>
+                        </m:e>
+                      </m:d>
+                    </m:oMath>
+                  </m:oMathPara>
+                </a14:m>
+                <a:endParaRPr lang="en-US" sz="1800" b="0" dirty="0">
+                  <a:solidFill>
+                    <a:schemeClr val="bg2">
+                      <a:lumMod val="25000"/>
+                    </a:schemeClr>
+                  </a:solidFill>
+                  <a:latin typeface="Corbel" panose="020B0503020204020204" pitchFamily="34" charset="0"/>
+                </a:endParaRPr>
+              </a:p>
+              <a:p>
+                <a:pPr algn="l">
+                  <a:lnSpc>
+                    <a:spcPct val="100000"/>
+                  </a:lnSpc>
+                </a:pPr>
+                <a:r>
+                  <a:rPr lang="en-US" sz="1800" dirty="0">
+                    <a:solidFill>
+                      <a:schemeClr val="bg2">
+                        <a:lumMod val="25000"/>
+                      </a:schemeClr>
+                    </a:solidFill>
+                    <a:latin typeface="Corbel" panose="020B0503020204020204" pitchFamily="34" charset="0"/>
+                  </a:rPr>
+                  <a:t>Where </a:t>
+                </a:r>
+                <a14:m>
+                  <m:oMath xmlns:m="http://schemas.openxmlformats.org/officeDocument/2006/math">
+                    <m:r>
+                      <a:rPr lang="en-US" sz="1800" b="0" i="1" smtClean="0">
+                        <a:solidFill>
+                          <a:schemeClr val="bg2">
+                            <a:lumMod val="25000"/>
+                          </a:schemeClr>
+                        </a:solidFill>
+                        <a:latin typeface="Cambria Math" panose="02040503050406030204" pitchFamily="18" charset="0"/>
+                      </a:rPr>
+                      <m:t>𝐹</m:t>
+                    </m:r>
+                    <m:r>
+                      <a:rPr lang="en-US" sz="1800" b="0" i="1" smtClean="0">
+                        <a:solidFill>
+                          <a:schemeClr val="bg2">
+                            <a:lumMod val="25000"/>
+                          </a:schemeClr>
+                        </a:solidFill>
+                        <a:latin typeface="Cambria Math" panose="02040503050406030204" pitchFamily="18" charset="0"/>
+                      </a:rPr>
+                      <m:t>(</m:t>
+                    </m:r>
+                    <m:r>
+                      <a:rPr lang="en-US" sz="1800" b="0" i="1" smtClean="0">
+                        <a:solidFill>
+                          <a:schemeClr val="bg2">
+                            <a:lumMod val="25000"/>
+                          </a:schemeClr>
+                        </a:solidFill>
+                        <a:latin typeface="Cambria Math" panose="02040503050406030204" pitchFamily="18" charset="0"/>
+                      </a:rPr>
+                      <m:t>𝑎</m:t>
+                    </m:r>
+                    <m:r>
+                      <a:rPr lang="en-US" sz="1800" b="0" i="1" smtClean="0">
+                        <a:solidFill>
+                          <a:schemeClr val="bg2">
+                            <a:lumMod val="25000"/>
+                          </a:schemeClr>
+                        </a:solidFill>
+                        <a:latin typeface="Cambria Math" panose="02040503050406030204" pitchFamily="18" charset="0"/>
+                      </a:rPr>
+                      <m:t>|</m:t>
+                    </m:r>
+                    <m:r>
+                      <a:rPr lang="en-US" sz="1800" b="0" i="1" smtClean="0">
+                        <a:solidFill>
+                          <a:schemeClr val="bg2">
+                            <a:lumMod val="25000"/>
+                          </a:schemeClr>
+                        </a:solidFill>
+                        <a:latin typeface="Cambria Math" panose="02040503050406030204" pitchFamily="18" charset="0"/>
+                      </a:rPr>
+                      <m:t>𝑥</m:t>
+                    </m:r>
+                    <m:r>
+                      <a:rPr lang="en-US" sz="1800" b="0" i="1" smtClean="0">
+                        <a:solidFill>
+                          <a:schemeClr val="bg2">
+                            <a:lumMod val="25000"/>
+                          </a:schemeClr>
+                        </a:solidFill>
+                        <a:latin typeface="Cambria Math" panose="02040503050406030204" pitchFamily="18" charset="0"/>
+                      </a:rPr>
+                      <m:t>,</m:t>
+                    </m:r>
+                    <m:r>
+                      <a:rPr lang="en-US" sz="1800" b="0" i="1" smtClean="0">
+                        <a:solidFill>
+                          <a:schemeClr val="bg2">
+                            <a:lumMod val="25000"/>
+                          </a:schemeClr>
+                        </a:solidFill>
+                        <a:latin typeface="Cambria Math" panose="02040503050406030204" pitchFamily="18" charset="0"/>
+                      </a:rPr>
+                      <m:t>𝑠</m:t>
+                    </m:r>
+                    <m:r>
+                      <a:rPr lang="en-US" sz="1800" b="0" i="1" smtClean="0">
+                        <a:solidFill>
+                          <a:schemeClr val="bg2">
+                            <a:lumMod val="25000"/>
+                          </a:schemeClr>
+                        </a:solidFill>
+                        <a:latin typeface="Cambria Math" panose="02040503050406030204" pitchFamily="18" charset="0"/>
+                      </a:rPr>
+                      <m:t>)</m:t>
+                    </m:r>
+                  </m:oMath>
+                </a14:m>
+                <a:r>
+                  <a:rPr lang="en-US" sz="1800" dirty="0">
+                    <a:solidFill>
+                      <a:schemeClr val="bg2">
+                        <a:lumMod val="25000"/>
+                      </a:schemeClr>
+                    </a:solidFill>
+                    <a:latin typeface="Corbel" panose="020B0503020204020204" pitchFamily="34" charset="0"/>
+                  </a:rPr>
+                  <a:t> is the conditional distribution of the audit result </a:t>
+                </a:r>
+                <a:r>
+                  <a:rPr lang="en-US" sz="1800" i="1" dirty="0">
+                    <a:solidFill>
+                      <a:schemeClr val="bg2">
+                        <a:lumMod val="25000"/>
+                      </a:schemeClr>
+                    </a:solidFill>
+                    <a:latin typeface="Corbel" panose="020B0503020204020204" pitchFamily="34" charset="0"/>
+                  </a:rPr>
+                  <a:t>a</a:t>
+                </a:r>
+                <a:r>
+                  <a:rPr lang="en-US" sz="1800" dirty="0">
+                    <a:solidFill>
+                      <a:schemeClr val="bg2">
+                        <a:lumMod val="25000"/>
+                      </a:schemeClr>
+                    </a:solidFill>
+                    <a:latin typeface="Corbel" panose="020B0503020204020204" pitchFamily="34" charset="0"/>
+                  </a:rPr>
+                  <a:t>, given current income </a:t>
+                </a:r>
+                <a:r>
+                  <a:rPr lang="en-US" sz="1800" i="1" dirty="0">
+                    <a:solidFill>
+                      <a:schemeClr val="bg2">
+                        <a:lumMod val="25000"/>
+                      </a:schemeClr>
+                    </a:solidFill>
+                    <a:latin typeface="Corbel" panose="020B0503020204020204" pitchFamily="34" charset="0"/>
+                  </a:rPr>
+                  <a:t>x </a:t>
+                </a:r>
+                <a:r>
+                  <a:rPr lang="en-US" sz="1800" dirty="0">
+                    <a:solidFill>
+                      <a:schemeClr val="bg2">
+                        <a:lumMod val="25000"/>
+                      </a:schemeClr>
+                    </a:solidFill>
+                    <a:latin typeface="Corbel" panose="020B0503020204020204" pitchFamily="34" charset="0"/>
+                  </a:rPr>
+                  <a:t>and firm scale </a:t>
+                </a:r>
+                <a:r>
+                  <a:rPr lang="en-US" sz="1800" i="1" dirty="0">
+                    <a:solidFill>
+                      <a:schemeClr val="bg2">
+                        <a:lumMod val="25000"/>
+                      </a:schemeClr>
+                    </a:solidFill>
+                    <a:latin typeface="Corbel" panose="020B0503020204020204" pitchFamily="34" charset="0"/>
+                  </a:rPr>
+                  <a:t>s.</a:t>
+                </a:r>
+                <a:r>
+                  <a:rPr lang="en-US" sz="1800" dirty="0">
+                    <a:solidFill>
+                      <a:schemeClr val="bg2">
+                        <a:lumMod val="25000"/>
+                      </a:schemeClr>
+                    </a:solidFill>
+                    <a:latin typeface="Corbel" panose="020B0503020204020204" pitchFamily="34" charset="0"/>
+                  </a:rPr>
+                  <a:t> </a:t>
+                </a:r>
+              </a:p>
+            </p:txBody>
+          </p:sp>
+        </mc:Choice>
+        <mc:Fallback xmlns="">
+          <p:sp>
+            <p:nvSpPr>
+              <p:cNvPr id="6" name="Subtitle 2">
+                <a:extLst>
+                  <a:ext uri="{FF2B5EF4-FFF2-40B4-BE49-F238E27FC236}">
+                    <a16:creationId xmlns:a16="http://schemas.microsoft.com/office/drawing/2014/main" id="{EEF0D0AF-BA9D-BA4C-AB3F-F8D9E7955440}"/>
+                  </a:ext>
+                </a:extLst>
+              </p:cNvPr>
+              <p:cNvSpPr txBox="1">
+                <a:spLocks noRot="1" noChangeAspect="1" noMove="1" noResize="1" noEditPoints="1" noAdjustHandles="1" noChangeArrowheads="1" noChangeShapeType="1" noTextEdit="1"/>
+              </p:cNvSpPr>
+              <p:nvPr/>
+            </p:nvSpPr>
+            <p:spPr>
+              <a:xfrm>
+                <a:off x="1371600" y="2209124"/>
+                <a:ext cx="9656064" cy="4383699"/>
+              </a:xfrm>
+              <a:prstGeom prst="rect">
+                <a:avLst/>
+              </a:prstGeom>
+              <a:blipFill>
+                <a:blip r:embed="rId2"/>
+                <a:stretch>
+                  <a:fillRect l="-1452" t="-834" r="-505"/>
+                </a:stretch>
+              </a:blipFill>
+            </p:spPr>
+            <p:txBody>
+              <a:bodyPr/>
+              <a:lstStyle/>
+              <a:p>
+                <a:r>
+                  <a:rPr lang="en-US">
+                    <a:noFill/>
+                  </a:rPr>
+                  <a:t> </a:t>
+                </a:r>
+              </a:p>
+            </p:txBody>
+          </p:sp>
+        </mc:Fallback>
+      </mc:AlternateContent>
+      <p:sp>
+        <p:nvSpPr>
+          <p:cNvPr id="8" name="Rectangle 7">
+            <a:extLst>
+              <a:ext uri="{FF2B5EF4-FFF2-40B4-BE49-F238E27FC236}">
+                <a16:creationId xmlns:a16="http://schemas.microsoft.com/office/drawing/2014/main" id="{9A08752B-3956-1B49-A67C-A87B88B39B90}"/>
+              </a:ext>
+            </a:extLst>
+          </p:cNvPr>
+          <p:cNvSpPr/>
+          <p:nvPr/>
+        </p:nvSpPr>
+        <p:spPr>
+          <a:xfrm>
+            <a:off x="1371600" y="1923473"/>
+            <a:ext cx="365294" cy="45719"/>
+          </a:xfrm>
+          <a:prstGeom prst="rect">
+            <a:avLst/>
+          </a:prstGeom>
+          <a:blipFill dpi="0" rotWithShape="1">
+            <a:blip r:embed="rId3">
+              <a:extLst>
+                <a:ext uri="{28A0092B-C50C-407E-A947-70E740481C1C}">
+                  <a14:useLocalDpi xmlns:a14="http://schemas.microsoft.com/office/drawing/2010/main" val="0"/>
+                </a:ext>
+              </a:extLst>
+            </a:blip>
+            <a:srcRect/>
+            <a:stretch>
+              <a:fillRect/>
+            </a:stretch>
+          </a:blipFill>
+          <a:ln>
+            <a:noFill/>
+          </a:ln>
+        </p:spPr>
+        <p:style>
+          <a:lnRef idx="2">
+            <a:schemeClr val="accent1">
+              <a:shade val="50000"/>
+            </a:schemeClr>
+          </a:lnRef>
+          <a:fillRef idx="1">
+            <a:schemeClr val="accent1"/>
+          </a:fillRef>
+          <a:effectRef idx="0">
+            <a:schemeClr val="accent1"/>
+          </a:effectRef>
+          <a:fontRef idx="minor">
+            <a:schemeClr val="lt1"/>
+          </a:fontRef>
+        </p:style>
+        <p:txBody>
+          <a:bodyPr rtlCol="0" anchor="ctr"/>
+          <a:lstStyle/>
+          <a:p>
+            <a:pPr algn="ctr"/>
+            <a:endParaRPr lang="en-US" dirty="0">
+              <a:noFill/>
+            </a:endParaRPr>
+          </a:p>
+        </p:txBody>
+      </p:sp>
+      <p:sp>
+        <p:nvSpPr>
+          <p:cNvPr id="7" name="Rectangle 6">
+            <a:extLst>
+              <a:ext uri="{FF2B5EF4-FFF2-40B4-BE49-F238E27FC236}">
+                <a16:creationId xmlns:a16="http://schemas.microsoft.com/office/drawing/2014/main" id="{978ABF79-F3EC-0246-9BED-3803B4F6241E}"/>
+              </a:ext>
+            </a:extLst>
+          </p:cNvPr>
+          <p:cNvSpPr/>
+          <p:nvPr/>
+        </p:nvSpPr>
+        <p:spPr>
+          <a:xfrm>
+            <a:off x="0" y="6766560"/>
+            <a:ext cx="12192000" cy="91440"/>
+          </a:xfrm>
+          <a:prstGeom prst="rect">
+            <a:avLst/>
+          </a:prstGeom>
+          <a:blipFill dpi="0" rotWithShape="1">
+            <a:blip r:embed="rId3">
+              <a:extLst>
+                <a:ext uri="{28A0092B-C50C-407E-A947-70E740481C1C}">
+                  <a14:useLocalDpi xmlns:a14="http://schemas.microsoft.com/office/drawing/2010/main" val="0"/>
+                </a:ext>
+              </a:extLst>
+            </a:blip>
+            <a:srcRect/>
+            <a:stretch>
+              <a:fillRect/>
+            </a:stretch>
+          </a:blipFill>
+          <a:ln>
+            <a:noFill/>
+          </a:ln>
+        </p:spPr>
+        <p:style>
+          <a:lnRef idx="2">
+            <a:schemeClr val="accent1">
+              <a:shade val="50000"/>
+            </a:schemeClr>
+          </a:lnRef>
+          <a:fillRef idx="1">
+            <a:schemeClr val="accent1"/>
+          </a:fillRef>
+          <a:effectRef idx="0">
+            <a:schemeClr val="accent1"/>
+          </a:effectRef>
+          <a:fontRef idx="minor">
+            <a:schemeClr val="lt1"/>
+          </a:fontRef>
+        </p:style>
+        <p:txBody>
+          <a:bodyPr rtlCol="0" anchor="ctr"/>
+          <a:lstStyle/>
+          <a:p>
+            <a:pPr algn="ctr"/>
+            <a:r>
+              <a:rPr lang="en-US" dirty="0">
+                <a:noFill/>
+              </a:rPr>
+              <a:t>          </a:t>
+            </a:r>
+          </a:p>
+        </p:txBody>
+      </p:sp>
+      <p:sp>
+        <p:nvSpPr>
+          <p:cNvPr id="11" name="Subtitle 2">
+            <a:extLst>
+              <a:ext uri="{FF2B5EF4-FFF2-40B4-BE49-F238E27FC236}">
+                <a16:creationId xmlns:a16="http://schemas.microsoft.com/office/drawing/2014/main" id="{540D1D29-5422-3C45-AE18-D2704579EA3C}"/>
+              </a:ext>
+            </a:extLst>
+          </p:cNvPr>
+          <p:cNvSpPr txBox="1">
+            <a:spLocks/>
+          </p:cNvSpPr>
+          <p:nvPr/>
+        </p:nvSpPr>
+        <p:spPr>
+          <a:xfrm>
+            <a:off x="1371599" y="566928"/>
+            <a:ext cx="3231397" cy="347472"/>
+          </a:xfrm>
+          <a:prstGeom prst="rect">
+            <a:avLst/>
+          </a:prstGeom>
+        </p:spPr>
+        <p:txBody>
+          <a:bodyPr vert="horz" lIns="0" tIns="45720" rIns="91440" bIns="45720" rtlCol="0">
+            <a:normAutofit/>
+          </a:bodyPr>
+          <a:lstStyle>
+            <a:lvl1pPr marL="0" indent="0" algn="ctr" defTabSz="914400" rtl="0" eaLnBrk="1" latinLnBrk="0" hangingPunct="1">
+              <a:lnSpc>
+                <a:spcPct val="90000"/>
+              </a:lnSpc>
+              <a:spcBef>
+                <a:spcPts val="1000"/>
+              </a:spcBef>
+              <a:buFont typeface="Arial" panose="020B0604020202020204" pitchFamily="34" charset="0"/>
+              <a:buNone/>
+              <a:defRPr sz="2400" kern="1200">
+                <a:solidFill>
+                  <a:schemeClr val="tx1"/>
+                </a:solidFill>
+                <a:latin typeface="+mn-lt"/>
+                <a:ea typeface="+mn-ea"/>
+                <a:cs typeface="+mn-cs"/>
+              </a:defRPr>
+            </a:lvl1pPr>
+            <a:lvl2pPr marL="457200" indent="0" algn="ctr" defTabSz="914400" rtl="0" eaLnBrk="1" latinLnBrk="0" hangingPunct="1">
+              <a:lnSpc>
+                <a:spcPct val="90000"/>
+              </a:lnSpc>
+              <a:spcBef>
+                <a:spcPts val="500"/>
+              </a:spcBef>
+              <a:buFont typeface="Arial" panose="020B0604020202020204" pitchFamily="34" charset="0"/>
+              <a:buNone/>
+              <a:defRPr sz="2000" kern="1200">
+                <a:solidFill>
+                  <a:schemeClr val="tx1"/>
+                </a:solidFill>
+                <a:latin typeface="+mn-lt"/>
+                <a:ea typeface="+mn-ea"/>
+                <a:cs typeface="+mn-cs"/>
+              </a:defRPr>
+            </a:lvl2pPr>
+            <a:lvl3pPr marL="914400" indent="0" algn="ctr" defTabSz="914400" rtl="0" eaLnBrk="1" latinLnBrk="0" hangingPunct="1">
+              <a:lnSpc>
+                <a:spcPct val="90000"/>
+              </a:lnSpc>
+              <a:spcBef>
+                <a:spcPts val="500"/>
+              </a:spcBef>
+              <a:buFont typeface="Arial" panose="020B0604020202020204" pitchFamily="34" charset="0"/>
+              <a:buNone/>
+              <a:defRPr sz="1800" kern="1200">
+                <a:solidFill>
+                  <a:schemeClr val="tx1"/>
+                </a:solidFill>
+                <a:latin typeface="+mn-lt"/>
+                <a:ea typeface="+mn-ea"/>
+                <a:cs typeface="+mn-cs"/>
+              </a:defRPr>
+            </a:lvl3pPr>
+            <a:lvl4pPr marL="1371600" indent="0" algn="ctr" defTabSz="914400" rtl="0" eaLnBrk="1" latinLnBrk="0" hangingPunct="1">
+              <a:lnSpc>
+                <a:spcPct val="90000"/>
+              </a:lnSpc>
+              <a:spcBef>
+                <a:spcPts val="500"/>
+              </a:spcBef>
+              <a:buFont typeface="Arial" panose="020B0604020202020204" pitchFamily="34" charset="0"/>
+              <a:buNone/>
+              <a:defRPr sz="1600" kern="1200">
+                <a:solidFill>
+                  <a:schemeClr val="tx1"/>
+                </a:solidFill>
+                <a:latin typeface="+mn-lt"/>
+                <a:ea typeface="+mn-ea"/>
+                <a:cs typeface="+mn-cs"/>
+              </a:defRPr>
+            </a:lvl4pPr>
+            <a:lvl5pPr marL="1828800" indent="0" algn="ctr" defTabSz="914400" rtl="0" eaLnBrk="1" latinLnBrk="0" hangingPunct="1">
+              <a:lnSpc>
+                <a:spcPct val="90000"/>
+              </a:lnSpc>
+              <a:spcBef>
+                <a:spcPts val="500"/>
+              </a:spcBef>
+              <a:buFont typeface="Arial" panose="020B0604020202020204" pitchFamily="34" charset="0"/>
+              <a:buNone/>
+              <a:defRPr sz="1600" kern="1200">
+                <a:solidFill>
+                  <a:schemeClr val="tx1"/>
+                </a:solidFill>
+                <a:latin typeface="+mn-lt"/>
+                <a:ea typeface="+mn-ea"/>
+                <a:cs typeface="+mn-cs"/>
+              </a:defRPr>
+            </a:lvl5pPr>
+            <a:lvl6pPr marL="2286000" indent="0" algn="ctr" defTabSz="914400" rtl="0" eaLnBrk="1" latinLnBrk="0" hangingPunct="1">
+              <a:lnSpc>
+                <a:spcPct val="90000"/>
+              </a:lnSpc>
+              <a:spcBef>
+                <a:spcPts val="500"/>
+              </a:spcBef>
+              <a:buFont typeface="Arial" panose="020B0604020202020204" pitchFamily="34" charset="0"/>
+              <a:buNone/>
+              <a:defRPr sz="1600" kern="1200">
+                <a:solidFill>
+                  <a:schemeClr val="tx1"/>
+                </a:solidFill>
+                <a:latin typeface="+mn-lt"/>
+                <a:ea typeface="+mn-ea"/>
+                <a:cs typeface="+mn-cs"/>
+              </a:defRPr>
+            </a:lvl6pPr>
+            <a:lvl7pPr marL="2743200" indent="0" algn="ctr" defTabSz="914400" rtl="0" eaLnBrk="1" latinLnBrk="0" hangingPunct="1">
+              <a:lnSpc>
+                <a:spcPct val="90000"/>
+              </a:lnSpc>
+              <a:spcBef>
+                <a:spcPts val="500"/>
+              </a:spcBef>
+              <a:buFont typeface="Arial" panose="020B0604020202020204" pitchFamily="34" charset="0"/>
+              <a:buNone/>
+              <a:defRPr sz="1600" kern="1200">
+                <a:solidFill>
+                  <a:schemeClr val="tx1"/>
+                </a:solidFill>
+                <a:latin typeface="+mn-lt"/>
+                <a:ea typeface="+mn-ea"/>
+                <a:cs typeface="+mn-cs"/>
+              </a:defRPr>
+            </a:lvl7pPr>
+            <a:lvl8pPr marL="3200400" indent="0" algn="ctr" defTabSz="914400" rtl="0" eaLnBrk="1" latinLnBrk="0" hangingPunct="1">
+              <a:lnSpc>
+                <a:spcPct val="90000"/>
+              </a:lnSpc>
+              <a:spcBef>
+                <a:spcPts val="500"/>
+              </a:spcBef>
+              <a:buFont typeface="Arial" panose="020B0604020202020204" pitchFamily="34" charset="0"/>
+              <a:buNone/>
+              <a:defRPr sz="1600" kern="1200">
+                <a:solidFill>
+                  <a:schemeClr val="tx1"/>
+                </a:solidFill>
+                <a:latin typeface="+mn-lt"/>
+                <a:ea typeface="+mn-ea"/>
+                <a:cs typeface="+mn-cs"/>
+              </a:defRPr>
+            </a:lvl8pPr>
+            <a:lvl9pPr marL="3657600" indent="0" algn="ctr" defTabSz="914400" rtl="0" eaLnBrk="1" latinLnBrk="0" hangingPunct="1">
+              <a:lnSpc>
+                <a:spcPct val="90000"/>
+              </a:lnSpc>
+              <a:spcBef>
+                <a:spcPts val="500"/>
+              </a:spcBef>
+              <a:buFont typeface="Arial" panose="020B0604020202020204" pitchFamily="34" charset="0"/>
+              <a:buNone/>
+              <a:defRPr sz="1600" kern="1200">
+                <a:solidFill>
+                  <a:schemeClr val="tx1"/>
+                </a:solidFill>
+                <a:latin typeface="+mn-lt"/>
+                <a:ea typeface="+mn-ea"/>
+                <a:cs typeface="+mn-cs"/>
+              </a:defRPr>
+            </a:lvl9pPr>
+          </a:lstStyle>
+          <a:p>
+            <a:pPr algn="l"/>
+            <a:r>
+              <a:rPr lang="en-US" sz="1800" dirty="0">
+                <a:solidFill>
+                  <a:schemeClr val="tx1">
+                    <a:lumMod val="50000"/>
+                    <a:lumOff val="50000"/>
+                  </a:schemeClr>
+                </a:solidFill>
+                <a:latin typeface="Corbel" panose="020B0503020204020204" pitchFamily="34" charset="0"/>
+              </a:rPr>
+              <a:t>Analysis of the Static Model</a:t>
+            </a:r>
+          </a:p>
+        </p:txBody>
+      </p:sp>
+      <p:sp>
+        <p:nvSpPr>
+          <p:cNvPr id="13" name="TextBox 12">
+            <a:extLst>
+              <a:ext uri="{FF2B5EF4-FFF2-40B4-BE49-F238E27FC236}">
+                <a16:creationId xmlns:a16="http://schemas.microsoft.com/office/drawing/2014/main" id="{63FF6131-3717-7C46-978F-6EE11238A91F}"/>
+              </a:ext>
+            </a:extLst>
+          </p:cNvPr>
+          <p:cNvSpPr txBox="1"/>
+          <p:nvPr/>
+        </p:nvSpPr>
+        <p:spPr>
+          <a:xfrm>
+            <a:off x="11027664" y="217444"/>
+            <a:ext cx="987552" cy="523220"/>
+          </a:xfrm>
+          <a:prstGeom prst="rect">
+            <a:avLst/>
+          </a:prstGeom>
+          <a:noFill/>
+          <a:ln>
+            <a:noFill/>
+          </a:ln>
+        </p:spPr>
+        <p:txBody>
+          <a:bodyPr wrap="square" rtlCol="0">
+            <a:spAutoFit/>
+          </a:bodyPr>
+          <a:lstStyle/>
+          <a:p>
+            <a:r>
+              <a:rPr lang="en-US" sz="2800" b="1" dirty="0">
+                <a:solidFill>
+                  <a:schemeClr val="bg2">
+                    <a:lumMod val="90000"/>
+                  </a:schemeClr>
+                </a:solidFill>
+                <a:latin typeface="Corbel" panose="020B0503020204020204" pitchFamily="34" charset="0"/>
+              </a:rPr>
+              <a:t>WSU</a:t>
+            </a:r>
+          </a:p>
+        </p:txBody>
+      </p:sp>
+    </p:spTree>
+    <p:extLst>
+      <p:ext uri="{BB962C8B-B14F-4D97-AF65-F5344CB8AC3E}">
+        <p14:creationId xmlns:p14="http://schemas.microsoft.com/office/powerpoint/2010/main" val="1470026497"/>
+      </p:ext>
+    </p:extLst>
+  </p:cSld>
+  <p:clrMapOvr>
+    <a:masterClrMapping/>
+  </p:clrMapOvr>
+</p:sld>
+</file>
+
 <file path=ppt/theme/theme1.xml><?xml version="1.0" encoding="utf-8"?>
 <a:theme xmlns:a="http://schemas.openxmlformats.org/drawingml/2006/main" name="Office Theme">
   <a:themeElements>
